--- a/USB backup/Arduino Herná Konzola.pptx
+++ b/USB backup/Arduino Herná Konzola.pptx
@@ -1,17 +1,17 @@
 
 <file path=ppt/presentation.xml><?xml version="1.0" encoding="utf-8"?>
-<p:presentation xmlns:a="http://schemas.openxmlformats.org/drawingml/2006/main" xmlns:r="http://schemas.openxmlformats.org/officeDocument/2006/relationships" xmlns:p="http://schemas.openxmlformats.org/presentationml/2006/main" saveSubsetFonts="1">
+<p:presentation xmlns:a="http://schemas.openxmlformats.org/drawingml/2006/main" xmlns:r="http://schemas.openxmlformats.org/officeDocument/2006/relationships" xmlns:p="http://schemas.openxmlformats.org/presentationml/2006/main">
   <p:sldMasterIdLst>
-    <p:sldMasterId id="2147483660" r:id="rId1"/>
+    <p:sldMasterId id="2147483648" r:id="rId1"/>
   </p:sldMasterIdLst>
   <p:sldIdLst>
-    <p:sldId id="256" r:id="rId2"/>
-    <p:sldId id="259" r:id="rId3"/>
-    <p:sldId id="260" r:id="rId4"/>
-    <p:sldId id="261" r:id="rId5"/>
-    <p:sldId id="263" r:id="rId6"/>
-    <p:sldId id="266" r:id="rId7"/>
-    <p:sldId id="262" r:id="rId8"/>
+    <p:sldId id="256" r:id="rId3"/>
+    <p:sldId id="259" r:id="rId4"/>
+    <p:sldId id="260" r:id="rId5"/>
+    <p:sldId id="261" r:id="rId6"/>
+    <p:sldId id="263" r:id="rId7"/>
+    <p:sldId id="266" r:id="rId8"/>
+    <p:sldId id="262" r:id="rId9"/>
   </p:sldIdLst>
   <p:sldSz cx="12192000" cy="6858000"/>
   <p:notesSz cx="6858000" cy="9144000"/>
@@ -110,21 +110,7 @@
       </a:defRPr>
     </a:lvl9pPr>
   </p:defaultTextStyle>
-  <p:extLst>
-    <p:ext uri="{EFAFB233-063F-42B5-8137-9DF3F51BA10A}">
-      <p15:sldGuideLst xmlns:p15="http://schemas.microsoft.com/office/powerpoint/2012/main"/>
-    </p:ext>
-  </p:extLst>
 </p:presentation>
-</file>
-
-<file path=ppt/revisionInfo.xml><?xml version="1.0" encoding="utf-8"?>
-<p1510:revInfo xmlns:a="http://schemas.openxmlformats.org/drawingml/2006/main" xmlns:r="http://schemas.openxmlformats.org/officeDocument/2006/relationships" xmlns:p1510="http://schemas.microsoft.com/office/powerpoint/2015/10/main">
-  <p1510:revLst>
-    <p1510:client id="{098A5C96-882E-25BE-F9B0-832BB133046F}" v="377" dt="2025-02-20T02:11:36.209"/>
-    <p1510:client id="{8A28F411-3A6C-6CA7-46AB-5657169A9C2F}" v="64" dt="2025-02-20T02:43:47.517"/>
-  </p1510:revLst>
-</p1510:revInfo>
 </file>
 
 <file path=ppt/slideLayouts/slideLayout1.xml><?xml version="1.0" encoding="utf-8"?>
@@ -258,7 +244,6 @@
           <a:p>
             <a:fld id="{846CE7D5-CF57-46EF-B807-FDD0502418D4}" type="datetimeFigureOut">
               <a:rPr lang="en-GB" smtClean="0"/>
-              <a:t>19/02/2025</a:t>
             </a:fld>
             <a:endParaRPr lang="en-GB"/>
           </a:p>
@@ -300,18 +285,12 @@
           <a:p>
             <a:fld id="{330EA680-D336-4FF7-8B7A-9848BB0A1C32}" type="slidenum">
               <a:rPr lang="en-GB" smtClean="0"/>
-              <a:t>‹#›</a:t>
             </a:fld>
             <a:endParaRPr lang="en-GB"/>
           </a:p>
         </p:txBody>
       </p:sp>
     </p:spTree>
-    <p:extLst>
-      <p:ext uri="{BB962C8B-B14F-4D97-AF65-F5344CB8AC3E}">
-        <p14:creationId xmlns:p14="http://schemas.microsoft.com/office/powerpoint/2010/main" val="2385387890"/>
-      </p:ext>
-    </p:extLst>
   </p:cSld>
   <p:clrMapOvr>
     <a:masterClrMapping/>
@@ -379,6 +358,7 @@
               <a:rPr lang="en-GB"/>
               <a:t>Click to edit Master text styles</a:t>
             </a:r>
+            <a:endParaRPr lang="en-GB"/>
           </a:p>
           <a:p>
             <a:pPr lvl="1"/>
@@ -386,6 +366,7 @@
               <a:rPr lang="en-GB"/>
               <a:t>Second level</a:t>
             </a:r>
+            <a:endParaRPr lang="en-GB"/>
           </a:p>
           <a:p>
             <a:pPr lvl="2"/>
@@ -393,6 +374,7 @@
               <a:rPr lang="en-GB"/>
               <a:t>Third level</a:t>
             </a:r>
+            <a:endParaRPr lang="en-GB"/>
           </a:p>
           <a:p>
             <a:pPr lvl="3"/>
@@ -400,6 +382,7 @@
               <a:rPr lang="en-GB"/>
               <a:t>Fourth level</a:t>
             </a:r>
+            <a:endParaRPr lang="en-GB"/>
           </a:p>
           <a:p>
             <a:pPr lvl="4"/>
@@ -428,7 +411,6 @@
           <a:p>
             <a:fld id="{846CE7D5-CF57-46EF-B807-FDD0502418D4}" type="datetimeFigureOut">
               <a:rPr lang="en-GB" smtClean="0"/>
-              <a:t>19/02/2025</a:t>
             </a:fld>
             <a:endParaRPr lang="en-GB"/>
           </a:p>
@@ -470,18 +452,12 @@
           <a:p>
             <a:fld id="{330EA680-D336-4FF7-8B7A-9848BB0A1C32}" type="slidenum">
               <a:rPr lang="en-GB" smtClean="0"/>
-              <a:t>‹#›</a:t>
             </a:fld>
             <a:endParaRPr lang="en-GB"/>
           </a:p>
         </p:txBody>
       </p:sp>
     </p:spTree>
-    <p:extLst>
-      <p:ext uri="{BB962C8B-B14F-4D97-AF65-F5344CB8AC3E}">
-        <p14:creationId xmlns:p14="http://schemas.microsoft.com/office/powerpoint/2010/main" val="2202905451"/>
-      </p:ext>
-    </p:extLst>
   </p:cSld>
   <p:clrMapOvr>
     <a:masterClrMapping/>
@@ -559,6 +535,7 @@
               <a:rPr lang="en-GB"/>
               <a:t>Click to edit Master text styles</a:t>
             </a:r>
+            <a:endParaRPr lang="en-GB"/>
           </a:p>
           <a:p>
             <a:pPr lvl="1"/>
@@ -566,6 +543,7 @@
               <a:rPr lang="en-GB"/>
               <a:t>Second level</a:t>
             </a:r>
+            <a:endParaRPr lang="en-GB"/>
           </a:p>
           <a:p>
             <a:pPr lvl="2"/>
@@ -573,6 +551,7 @@
               <a:rPr lang="en-GB"/>
               <a:t>Third level</a:t>
             </a:r>
+            <a:endParaRPr lang="en-GB"/>
           </a:p>
           <a:p>
             <a:pPr lvl="3"/>
@@ -580,6 +559,7 @@
               <a:rPr lang="en-GB"/>
               <a:t>Fourth level</a:t>
             </a:r>
+            <a:endParaRPr lang="en-GB"/>
           </a:p>
           <a:p>
             <a:pPr lvl="4"/>
@@ -608,7 +588,6 @@
           <a:p>
             <a:fld id="{846CE7D5-CF57-46EF-B807-FDD0502418D4}" type="datetimeFigureOut">
               <a:rPr lang="en-GB" smtClean="0"/>
-              <a:t>19/02/2025</a:t>
             </a:fld>
             <a:endParaRPr lang="en-GB"/>
           </a:p>
@@ -650,18 +629,12 @@
           <a:p>
             <a:fld id="{330EA680-D336-4FF7-8B7A-9848BB0A1C32}" type="slidenum">
               <a:rPr lang="en-GB" smtClean="0"/>
-              <a:t>‹#›</a:t>
             </a:fld>
             <a:endParaRPr lang="en-GB"/>
           </a:p>
         </p:txBody>
       </p:sp>
     </p:spTree>
-    <p:extLst>
-      <p:ext uri="{BB962C8B-B14F-4D97-AF65-F5344CB8AC3E}">
-        <p14:creationId xmlns:p14="http://schemas.microsoft.com/office/powerpoint/2010/main" val="3479445657"/>
-      </p:ext>
-    </p:extLst>
   </p:cSld>
   <p:clrMapOvr>
     <a:masterClrMapping/>
@@ -729,6 +702,7 @@
               <a:rPr lang="en-GB"/>
               <a:t>Click to edit Master text styles</a:t>
             </a:r>
+            <a:endParaRPr lang="en-GB"/>
           </a:p>
           <a:p>
             <a:pPr lvl="1"/>
@@ -736,6 +710,7 @@
               <a:rPr lang="en-GB"/>
               <a:t>Second level</a:t>
             </a:r>
+            <a:endParaRPr lang="en-GB"/>
           </a:p>
           <a:p>
             <a:pPr lvl="2"/>
@@ -743,6 +718,7 @@
               <a:rPr lang="en-GB"/>
               <a:t>Third level</a:t>
             </a:r>
+            <a:endParaRPr lang="en-GB"/>
           </a:p>
           <a:p>
             <a:pPr lvl="3"/>
@@ -750,6 +726,7 @@
               <a:rPr lang="en-GB"/>
               <a:t>Fourth level</a:t>
             </a:r>
+            <a:endParaRPr lang="en-GB"/>
           </a:p>
           <a:p>
             <a:pPr lvl="4"/>
@@ -778,7 +755,6 @@
           <a:p>
             <a:fld id="{846CE7D5-CF57-46EF-B807-FDD0502418D4}" type="datetimeFigureOut">
               <a:rPr lang="en-GB" smtClean="0"/>
-              <a:t>19/02/2025</a:t>
             </a:fld>
             <a:endParaRPr lang="en-GB"/>
           </a:p>
@@ -820,18 +796,12 @@
           <a:p>
             <a:fld id="{330EA680-D336-4FF7-8B7A-9848BB0A1C32}" type="slidenum">
               <a:rPr lang="en-GB" smtClean="0"/>
-              <a:t>‹#›</a:t>
             </a:fld>
             <a:endParaRPr lang="en-GB"/>
           </a:p>
         </p:txBody>
       </p:sp>
     </p:spTree>
-    <p:extLst>
-      <p:ext uri="{BB962C8B-B14F-4D97-AF65-F5344CB8AC3E}">
-        <p14:creationId xmlns:p14="http://schemas.microsoft.com/office/powerpoint/2010/main" val="949138452"/>
-      </p:ext>
-    </p:extLst>
   </p:cSld>
   <p:clrMapOvr>
     <a:masterClrMapping/>
@@ -1004,6 +974,7 @@
               <a:rPr lang="en-GB"/>
               <a:t>Click to edit Master text styles</a:t>
             </a:r>
+            <a:endParaRPr lang="en-GB"/>
           </a:p>
         </p:txBody>
       </p:sp>
@@ -1024,7 +995,6 @@
           <a:p>
             <a:fld id="{846CE7D5-CF57-46EF-B807-FDD0502418D4}" type="datetimeFigureOut">
               <a:rPr lang="en-GB" smtClean="0"/>
-              <a:t>19/02/2025</a:t>
             </a:fld>
             <a:endParaRPr lang="en-GB"/>
           </a:p>
@@ -1066,18 +1036,12 @@
           <a:p>
             <a:fld id="{330EA680-D336-4FF7-8B7A-9848BB0A1C32}" type="slidenum">
               <a:rPr lang="en-GB" smtClean="0"/>
-              <a:t>‹#›</a:t>
             </a:fld>
             <a:endParaRPr lang="en-GB"/>
           </a:p>
         </p:txBody>
       </p:sp>
     </p:spTree>
-    <p:extLst>
-      <p:ext uri="{BB962C8B-B14F-4D97-AF65-F5344CB8AC3E}">
-        <p14:creationId xmlns:p14="http://schemas.microsoft.com/office/powerpoint/2010/main" val="2591524520"/>
-      </p:ext>
-    </p:extLst>
   </p:cSld>
   <p:clrMapOvr>
     <a:masterClrMapping/>
@@ -1150,6 +1114,7 @@
               <a:rPr lang="en-GB"/>
               <a:t>Click to edit Master text styles</a:t>
             </a:r>
+            <a:endParaRPr lang="en-GB"/>
           </a:p>
           <a:p>
             <a:pPr lvl="1"/>
@@ -1157,6 +1122,7 @@
               <a:rPr lang="en-GB"/>
               <a:t>Second level</a:t>
             </a:r>
+            <a:endParaRPr lang="en-GB"/>
           </a:p>
           <a:p>
             <a:pPr lvl="2"/>
@@ -1164,6 +1130,7 @@
               <a:rPr lang="en-GB"/>
               <a:t>Third level</a:t>
             </a:r>
+            <a:endParaRPr lang="en-GB"/>
           </a:p>
           <a:p>
             <a:pPr lvl="3"/>
@@ -1171,6 +1138,7 @@
               <a:rPr lang="en-GB"/>
               <a:t>Fourth level</a:t>
             </a:r>
+            <a:endParaRPr lang="en-GB"/>
           </a:p>
           <a:p>
             <a:pPr lvl="4"/>
@@ -1207,6 +1175,7 @@
               <a:rPr lang="en-GB"/>
               <a:t>Click to edit Master text styles</a:t>
             </a:r>
+            <a:endParaRPr lang="en-GB"/>
           </a:p>
           <a:p>
             <a:pPr lvl="1"/>
@@ -1214,6 +1183,7 @@
               <a:rPr lang="en-GB"/>
               <a:t>Second level</a:t>
             </a:r>
+            <a:endParaRPr lang="en-GB"/>
           </a:p>
           <a:p>
             <a:pPr lvl="2"/>
@@ -1221,6 +1191,7 @@
               <a:rPr lang="en-GB"/>
               <a:t>Third level</a:t>
             </a:r>
+            <a:endParaRPr lang="en-GB"/>
           </a:p>
           <a:p>
             <a:pPr lvl="3"/>
@@ -1228,6 +1199,7 @@
               <a:rPr lang="en-GB"/>
               <a:t>Fourth level</a:t>
             </a:r>
+            <a:endParaRPr lang="en-GB"/>
           </a:p>
           <a:p>
             <a:pPr lvl="4"/>
@@ -1256,7 +1228,6 @@
           <a:p>
             <a:fld id="{846CE7D5-CF57-46EF-B807-FDD0502418D4}" type="datetimeFigureOut">
               <a:rPr lang="en-GB" smtClean="0"/>
-              <a:t>19/02/2025</a:t>
             </a:fld>
             <a:endParaRPr lang="en-GB"/>
           </a:p>
@@ -1298,18 +1269,12 @@
           <a:p>
             <a:fld id="{330EA680-D336-4FF7-8B7A-9848BB0A1C32}" type="slidenum">
               <a:rPr lang="en-GB" smtClean="0"/>
-              <a:t>‹#›</a:t>
             </a:fld>
             <a:endParaRPr lang="en-GB"/>
           </a:p>
         </p:txBody>
       </p:sp>
     </p:spTree>
-    <p:extLst>
-      <p:ext uri="{BB962C8B-B14F-4D97-AF65-F5344CB8AC3E}">
-        <p14:creationId xmlns:p14="http://schemas.microsoft.com/office/powerpoint/2010/main" val="1203092039"/>
-      </p:ext>
-    </p:extLst>
   </p:cSld>
   <p:clrMapOvr>
     <a:masterClrMapping/>
@@ -1424,6 +1389,7 @@
               <a:rPr lang="en-GB"/>
               <a:t>Click to edit Master text styles</a:t>
             </a:r>
+            <a:endParaRPr lang="en-GB"/>
           </a:p>
         </p:txBody>
       </p:sp>
@@ -1452,6 +1418,7 @@
               <a:rPr lang="en-GB"/>
               <a:t>Click to edit Master text styles</a:t>
             </a:r>
+            <a:endParaRPr lang="en-GB"/>
           </a:p>
           <a:p>
             <a:pPr lvl="1"/>
@@ -1459,6 +1426,7 @@
               <a:rPr lang="en-GB"/>
               <a:t>Second level</a:t>
             </a:r>
+            <a:endParaRPr lang="en-GB"/>
           </a:p>
           <a:p>
             <a:pPr lvl="2"/>
@@ -1466,6 +1434,7 @@
               <a:rPr lang="en-GB"/>
               <a:t>Third level</a:t>
             </a:r>
+            <a:endParaRPr lang="en-GB"/>
           </a:p>
           <a:p>
             <a:pPr lvl="3"/>
@@ -1473,6 +1442,7 @@
               <a:rPr lang="en-GB"/>
               <a:t>Fourth level</a:t>
             </a:r>
+            <a:endParaRPr lang="en-GB"/>
           </a:p>
           <a:p>
             <a:pPr lvl="4"/>
@@ -1546,6 +1516,7 @@
               <a:rPr lang="en-GB"/>
               <a:t>Click to edit Master text styles</a:t>
             </a:r>
+            <a:endParaRPr lang="en-GB"/>
           </a:p>
         </p:txBody>
       </p:sp>
@@ -1574,6 +1545,7 @@
               <a:rPr lang="en-GB"/>
               <a:t>Click to edit Master text styles</a:t>
             </a:r>
+            <a:endParaRPr lang="en-GB"/>
           </a:p>
           <a:p>
             <a:pPr lvl="1"/>
@@ -1581,6 +1553,7 @@
               <a:rPr lang="en-GB"/>
               <a:t>Second level</a:t>
             </a:r>
+            <a:endParaRPr lang="en-GB"/>
           </a:p>
           <a:p>
             <a:pPr lvl="2"/>
@@ -1588,6 +1561,7 @@
               <a:rPr lang="en-GB"/>
               <a:t>Third level</a:t>
             </a:r>
+            <a:endParaRPr lang="en-GB"/>
           </a:p>
           <a:p>
             <a:pPr lvl="3"/>
@@ -1595,6 +1569,7 @@
               <a:rPr lang="en-GB"/>
               <a:t>Fourth level</a:t>
             </a:r>
+            <a:endParaRPr lang="en-GB"/>
           </a:p>
           <a:p>
             <a:pPr lvl="4"/>
@@ -1623,7 +1598,6 @@
           <a:p>
             <a:fld id="{846CE7D5-CF57-46EF-B807-FDD0502418D4}" type="datetimeFigureOut">
               <a:rPr lang="en-GB" smtClean="0"/>
-              <a:t>19/02/2025</a:t>
             </a:fld>
             <a:endParaRPr lang="en-GB"/>
           </a:p>
@@ -1665,18 +1639,12 @@
           <a:p>
             <a:fld id="{330EA680-D336-4FF7-8B7A-9848BB0A1C32}" type="slidenum">
               <a:rPr lang="en-GB" smtClean="0"/>
-              <a:t>‹#›</a:t>
             </a:fld>
             <a:endParaRPr lang="en-GB"/>
           </a:p>
         </p:txBody>
       </p:sp>
     </p:spTree>
-    <p:extLst>
-      <p:ext uri="{BB962C8B-B14F-4D97-AF65-F5344CB8AC3E}">
-        <p14:creationId xmlns:p14="http://schemas.microsoft.com/office/powerpoint/2010/main" val="3733172339"/>
-      </p:ext>
-    </p:extLst>
   </p:cSld>
   <p:clrMapOvr>
     <a:masterClrMapping/>
@@ -1741,7 +1709,6 @@
           <a:p>
             <a:fld id="{846CE7D5-CF57-46EF-B807-FDD0502418D4}" type="datetimeFigureOut">
               <a:rPr lang="en-GB" smtClean="0"/>
-              <a:t>19/02/2025</a:t>
             </a:fld>
             <a:endParaRPr lang="en-GB"/>
           </a:p>
@@ -1783,18 +1750,12 @@
           <a:p>
             <a:fld id="{330EA680-D336-4FF7-8B7A-9848BB0A1C32}" type="slidenum">
               <a:rPr lang="en-GB" smtClean="0"/>
-              <a:t>‹#›</a:t>
             </a:fld>
             <a:endParaRPr lang="en-GB"/>
           </a:p>
         </p:txBody>
       </p:sp>
     </p:spTree>
-    <p:extLst>
-      <p:ext uri="{BB962C8B-B14F-4D97-AF65-F5344CB8AC3E}">
-        <p14:creationId xmlns:p14="http://schemas.microsoft.com/office/powerpoint/2010/main" val="3210312558"/>
-      </p:ext>
-    </p:extLst>
   </p:cSld>
   <p:clrMapOvr>
     <a:masterClrMapping/>
@@ -1836,7 +1797,6 @@
           <a:p>
             <a:fld id="{846CE7D5-CF57-46EF-B807-FDD0502418D4}" type="datetimeFigureOut">
               <a:rPr lang="en-GB" smtClean="0"/>
-              <a:t>19/02/2025</a:t>
             </a:fld>
             <a:endParaRPr lang="en-GB"/>
           </a:p>
@@ -1878,18 +1838,12 @@
           <a:p>
             <a:fld id="{330EA680-D336-4FF7-8B7A-9848BB0A1C32}" type="slidenum">
               <a:rPr lang="en-GB" smtClean="0"/>
-              <a:t>‹#›</a:t>
             </a:fld>
             <a:endParaRPr lang="en-GB"/>
           </a:p>
         </p:txBody>
       </p:sp>
     </p:spTree>
-    <p:extLst>
-      <p:ext uri="{BB962C8B-B14F-4D97-AF65-F5344CB8AC3E}">
-        <p14:creationId xmlns:p14="http://schemas.microsoft.com/office/powerpoint/2010/main" val="3146388984"/>
-      </p:ext>
-    </p:extLst>
   </p:cSld>
   <p:clrMapOvr>
     <a:masterClrMapping/>
@@ -1999,6 +1953,7 @@
               <a:rPr lang="en-GB"/>
               <a:t>Click to edit Master text styles</a:t>
             </a:r>
+            <a:endParaRPr lang="en-GB"/>
           </a:p>
           <a:p>
             <a:pPr lvl="1"/>
@@ -2006,6 +1961,7 @@
               <a:rPr lang="en-GB"/>
               <a:t>Second level</a:t>
             </a:r>
+            <a:endParaRPr lang="en-GB"/>
           </a:p>
           <a:p>
             <a:pPr lvl="2"/>
@@ -2013,6 +1969,7 @@
               <a:rPr lang="en-GB"/>
               <a:t>Third level</a:t>
             </a:r>
+            <a:endParaRPr lang="en-GB"/>
           </a:p>
           <a:p>
             <a:pPr lvl="3"/>
@@ -2020,6 +1977,7 @@
               <a:rPr lang="en-GB"/>
               <a:t>Fourth level</a:t>
             </a:r>
+            <a:endParaRPr lang="en-GB"/>
           </a:p>
           <a:p>
             <a:pPr lvl="4"/>
@@ -2093,6 +2051,7 @@
               <a:rPr lang="en-GB"/>
               <a:t>Click to edit Master text styles</a:t>
             </a:r>
+            <a:endParaRPr lang="en-GB"/>
           </a:p>
         </p:txBody>
       </p:sp>
@@ -2113,7 +2072,6 @@
           <a:p>
             <a:fld id="{846CE7D5-CF57-46EF-B807-FDD0502418D4}" type="datetimeFigureOut">
               <a:rPr lang="en-GB" smtClean="0"/>
-              <a:t>19/02/2025</a:t>
             </a:fld>
             <a:endParaRPr lang="en-GB"/>
           </a:p>
@@ -2155,18 +2113,12 @@
           <a:p>
             <a:fld id="{330EA680-D336-4FF7-8B7A-9848BB0A1C32}" type="slidenum">
               <a:rPr lang="en-GB" smtClean="0"/>
-              <a:t>‹#›</a:t>
             </a:fld>
             <a:endParaRPr lang="en-GB"/>
           </a:p>
         </p:txBody>
       </p:sp>
     </p:spTree>
-    <p:extLst>
-      <p:ext uri="{BB962C8B-B14F-4D97-AF65-F5344CB8AC3E}">
-        <p14:creationId xmlns:p14="http://schemas.microsoft.com/office/powerpoint/2010/main" val="3171841454"/>
-      </p:ext>
-    </p:extLst>
   </p:cSld>
   <p:clrMapOvr>
     <a:masterClrMapping/>
@@ -2350,6 +2302,7 @@
               <a:rPr lang="en-GB"/>
               <a:t>Click to edit Master text styles</a:t>
             </a:r>
+            <a:endParaRPr lang="en-GB"/>
           </a:p>
         </p:txBody>
       </p:sp>
@@ -2370,7 +2323,6 @@
           <a:p>
             <a:fld id="{846CE7D5-CF57-46EF-B807-FDD0502418D4}" type="datetimeFigureOut">
               <a:rPr lang="en-GB" smtClean="0"/>
-              <a:t>19/02/2025</a:t>
             </a:fld>
             <a:endParaRPr lang="en-GB"/>
           </a:p>
@@ -2412,18 +2364,12 @@
           <a:p>
             <a:fld id="{330EA680-D336-4FF7-8B7A-9848BB0A1C32}" type="slidenum">
               <a:rPr lang="en-GB" smtClean="0"/>
-              <a:t>‹#›</a:t>
             </a:fld>
             <a:endParaRPr lang="en-GB"/>
           </a:p>
         </p:txBody>
       </p:sp>
     </p:spTree>
-    <p:extLst>
-      <p:ext uri="{BB962C8B-B14F-4D97-AF65-F5344CB8AC3E}">
-        <p14:creationId xmlns:p14="http://schemas.microsoft.com/office/powerpoint/2010/main" val="1718958274"/>
-      </p:ext>
-    </p:extLst>
   </p:cSld>
   <p:clrMapOvr>
     <a:masterClrMapping/>
@@ -2516,6 +2462,7 @@
               <a:rPr lang="en-GB"/>
               <a:t>Click to edit Master text styles</a:t>
             </a:r>
+            <a:endParaRPr lang="en-GB"/>
           </a:p>
           <a:p>
             <a:pPr lvl="1"/>
@@ -2523,6 +2470,7 @@
               <a:rPr lang="en-GB"/>
               <a:t>Second level</a:t>
             </a:r>
+            <a:endParaRPr lang="en-GB"/>
           </a:p>
           <a:p>
             <a:pPr lvl="2"/>
@@ -2530,6 +2478,7 @@
               <a:rPr lang="en-GB"/>
               <a:t>Third level</a:t>
             </a:r>
+            <a:endParaRPr lang="en-GB"/>
           </a:p>
           <a:p>
             <a:pPr lvl="3"/>
@@ -2537,6 +2486,7 @@
               <a:rPr lang="en-GB"/>
               <a:t>Fourth level</a:t>
             </a:r>
+            <a:endParaRPr lang="en-GB"/>
           </a:p>
           <a:p>
             <a:pPr lvl="4"/>
@@ -2583,7 +2533,6 @@
           <a:p>
             <a:fld id="{846CE7D5-CF57-46EF-B807-FDD0502418D4}" type="datetimeFigureOut">
               <a:rPr lang="en-GB" smtClean="0"/>
-              <a:t>19/02/2025</a:t>
             </a:fld>
             <a:endParaRPr lang="en-GB"/>
           </a:p>
@@ -2661,32 +2610,26 @@
           <a:p>
             <a:fld id="{330EA680-D336-4FF7-8B7A-9848BB0A1C32}" type="slidenum">
               <a:rPr lang="en-GB" smtClean="0"/>
-              <a:t>‹#›</a:t>
             </a:fld>
             <a:endParaRPr lang="en-GB"/>
           </a:p>
         </p:txBody>
       </p:sp>
     </p:spTree>
-    <p:extLst>
-      <p:ext uri="{BB962C8B-B14F-4D97-AF65-F5344CB8AC3E}">
-        <p14:creationId xmlns:p14="http://schemas.microsoft.com/office/powerpoint/2010/main" val="2460954070"/>
-      </p:ext>
-    </p:extLst>
   </p:cSld>
   <p:clrMap bg1="lt1" tx1="dk1" bg2="lt2" tx2="dk2" accent1="accent1" accent2="accent2" accent3="accent3" accent4="accent4" accent5="accent5" accent6="accent6" hlink="hlink" folHlink="folHlink"/>
   <p:sldLayoutIdLst>
-    <p:sldLayoutId id="2147483661" r:id="rId1"/>
-    <p:sldLayoutId id="2147483662" r:id="rId2"/>
-    <p:sldLayoutId id="2147483663" r:id="rId3"/>
-    <p:sldLayoutId id="2147483664" r:id="rId4"/>
-    <p:sldLayoutId id="2147483665" r:id="rId5"/>
-    <p:sldLayoutId id="2147483666" r:id="rId6"/>
-    <p:sldLayoutId id="2147483667" r:id="rId7"/>
-    <p:sldLayoutId id="2147483668" r:id="rId8"/>
-    <p:sldLayoutId id="2147483669" r:id="rId9"/>
-    <p:sldLayoutId id="2147483670" r:id="rId10"/>
-    <p:sldLayoutId id="2147483671" r:id="rId11"/>
+    <p:sldLayoutId id="2147483649" r:id="rId1"/>
+    <p:sldLayoutId id="2147483650" r:id="rId2"/>
+    <p:sldLayoutId id="2147483651" r:id="rId3"/>
+    <p:sldLayoutId id="2147483652" r:id="rId4"/>
+    <p:sldLayoutId id="2147483653" r:id="rId5"/>
+    <p:sldLayoutId id="2147483654" r:id="rId6"/>
+    <p:sldLayoutId id="2147483655" r:id="rId7"/>
+    <p:sldLayoutId id="2147483656" r:id="rId8"/>
+    <p:sldLayoutId id="2147483657" r:id="rId9"/>
+    <p:sldLayoutId id="2147483658" r:id="rId10"/>
+    <p:sldLayoutId id="2147483659" r:id="rId11"/>
   </p:sldLayoutIdLst>
   <p:txStyles>
     <p:titleStyle>
@@ -2998,26 +2941,11 @@
       </p:grpSpPr>
       <p:sp useBgFill="1">
         <p:nvSpPr>
-          <p:cNvPr id="10" name="Rectangle 9">
-            <a:extLst>
-              <a:ext uri="{FF2B5EF4-FFF2-40B4-BE49-F238E27FC236}">
-                <a16:creationId xmlns:a16="http://schemas.microsoft.com/office/drawing/2014/main" id="{9AA72BD9-2C5A-4EDC-931F-5AA08EACA0F3}"/>
-              </a:ext>
-              <a:ext uri="{C183D7F6-B498-43B3-948B-1728B52AA6E4}">
-                <adec:decorative xmlns:adec="http://schemas.microsoft.com/office/drawing/2017/decorative" val="1"/>
-              </a:ext>
-            </a:extLst>
-          </p:cNvPr>
+          <p:cNvPr id="10" name="Rectangle 9"/>
           <p:cNvSpPr>
             <a:spLocks noGrp="1" noRot="1" noChangeAspect="1" noMove="1" noResize="1" noEditPoints="1" noAdjustHandles="1" noChangeArrowheads="1" noChangeShapeType="1" noTextEdit="1"/>
           </p:cNvSpPr>
-          <p:nvPr>
-            <p:extLst>
-              <p:ext uri="{386F3935-93C4-4BCD-93E2-E3B085C9AB24}">
-                <p16:designElem xmlns:p16="http://schemas.microsoft.com/office/powerpoint/2015/main" val="1"/>
-              </p:ext>
-            </p:extLst>
-          </p:nvPr>
+          <p:nvPr/>
         </p:nvSpPr>
         <p:spPr>
           <a:xfrm>
@@ -3058,22 +2986,18 @@
       </p:sp>
       <p:pic>
         <p:nvPicPr>
-          <p:cNvPr id="5" name="Picture 4" descr="A screenshot of a video game&#10;&#10;AI-generated content may be incorrect.">
-            <a:extLst>
-              <a:ext uri="{FF2B5EF4-FFF2-40B4-BE49-F238E27FC236}">
-                <a16:creationId xmlns:a16="http://schemas.microsoft.com/office/drawing/2014/main" id="{117C7C7A-8AC2-C9F7-A19A-6937DE596DAC}"/>
-              </a:ext>
-            </a:extLst>
-          </p:cNvPr>
+          <p:cNvPr id="5" name="Picture 4" descr="A screenshot of a video game&#10;&#10;AI-generated content may be incorrect."/>
           <p:cNvPicPr>
             <a:picLocks noChangeAspect="1"/>
           </p:cNvPicPr>
           <p:nvPr/>
         </p:nvPicPr>
         <p:blipFill>
-          <a:blip r:embed="rId2"/>
+          <a:blip r:embed="rId1"/>
           <a:srcRect l="26660" t="9091" r="8696"/>
-          <a:stretch/>
+          <a:stretch>
+            <a:fillRect/>
+          </a:stretch>
         </p:blipFill>
         <p:spPr>
           <a:xfrm>
@@ -3087,26 +3011,11 @@
       </p:pic>
       <p:sp>
         <p:nvSpPr>
-          <p:cNvPr id="12" name="Rectangle 11">
-            <a:extLst>
-              <a:ext uri="{FF2B5EF4-FFF2-40B4-BE49-F238E27FC236}">
-                <a16:creationId xmlns:a16="http://schemas.microsoft.com/office/drawing/2014/main" id="{DD3981AC-7B61-4947-BCF3-F7AA7FA385B9}"/>
-              </a:ext>
-              <a:ext uri="{C183D7F6-B498-43B3-948B-1728B52AA6E4}">
-                <adec:decorative xmlns:adec="http://schemas.microsoft.com/office/drawing/2017/decorative" val="1"/>
-              </a:ext>
-            </a:extLst>
-          </p:cNvPr>
+          <p:cNvPr id="12" name="Rectangle 11"/>
           <p:cNvSpPr>
             <a:spLocks noGrp="1" noRot="1" noChangeAspect="1" noMove="1" noResize="1" noEditPoints="1" noAdjustHandles="1" noChangeArrowheads="1" noChangeShapeType="1" noTextEdit="1"/>
           </p:cNvSpPr>
-          <p:nvPr>
-            <p:extLst>
-              <p:ext uri="{386F3935-93C4-4BCD-93E2-E3B085C9AB24}">
-                <p16:designElem xmlns:p16="http://schemas.microsoft.com/office/powerpoint/2015/main" val="1"/>
-              </p:ext>
-            </p:extLst>
-          </p:nvPr>
+          <p:nvPr/>
         </p:nvSpPr>
         <p:spPr>
           <a:xfrm>
@@ -3199,8 +3108,8 @@
                 <a:solidFill>
                   <a:schemeClr val="bg1"/>
                 </a:solidFill>
-                <a:latin typeface="Times New Roman"/>
-                <a:cs typeface="Times New Roman"/>
+                <a:latin typeface="Times New Roman" panose="02020603050405020304"/>
+                <a:cs typeface="Times New Roman" panose="02020603050405020304"/>
               </a:rPr>
               <a:t>Arduino </a:t>
             </a:r>
@@ -3209,8 +3118,8 @@
                 <a:solidFill>
                   <a:schemeClr val="bg1"/>
                 </a:solidFill>
-                <a:latin typeface="Times New Roman"/>
-                <a:cs typeface="Times New Roman"/>
+                <a:latin typeface="Times New Roman" panose="02020603050405020304"/>
+                <a:cs typeface="Times New Roman" panose="02020603050405020304"/>
               </a:rPr>
               <a:t>Herná</a:t>
             </a:r>
@@ -3219,8 +3128,8 @@
                 <a:solidFill>
                   <a:schemeClr val="bg1"/>
                 </a:solidFill>
-                <a:latin typeface="Times New Roman"/>
-                <a:cs typeface="Times New Roman"/>
+                <a:latin typeface="Times New Roman" panose="02020603050405020304"/>
+                <a:cs typeface="Times New Roman" panose="02020603050405020304"/>
               </a:rPr>
               <a:t> </a:t>
             </a:r>
@@ -3229,8 +3138,8 @@
                 <a:solidFill>
                   <a:schemeClr val="bg1"/>
                 </a:solidFill>
-                <a:latin typeface="Times New Roman"/>
-                <a:cs typeface="Times New Roman"/>
+                <a:latin typeface="Times New Roman" panose="02020603050405020304"/>
+                <a:cs typeface="Times New Roman" panose="02020603050405020304"/>
               </a:rPr>
               <a:t>Konzola</a:t>
             </a:r>
@@ -3238,34 +3147,19 @@
               <a:solidFill>
                 <a:schemeClr val="bg1"/>
               </a:solidFill>
-              <a:latin typeface="Times New Roman"/>
-              <a:cs typeface="Times New Roman"/>
+              <a:latin typeface="Times New Roman" panose="02020603050405020304"/>
+              <a:cs typeface="Times New Roman" panose="02020603050405020304"/>
             </a:endParaRPr>
           </a:p>
         </p:txBody>
       </p:sp>
       <p:sp>
         <p:nvSpPr>
-          <p:cNvPr id="16" name="Rectangle 15">
-            <a:extLst>
-              <a:ext uri="{FF2B5EF4-FFF2-40B4-BE49-F238E27FC236}">
-                <a16:creationId xmlns:a16="http://schemas.microsoft.com/office/drawing/2014/main" id="{7A5F0580-5EE9-419F-96EE-B6529EF6E7D0}"/>
-              </a:ext>
-              <a:ext uri="{C183D7F6-B498-43B3-948B-1728B52AA6E4}">
-                <adec:decorative xmlns:adec="http://schemas.microsoft.com/office/drawing/2017/decorative" val="1"/>
-              </a:ext>
-            </a:extLst>
-          </p:cNvPr>
+          <p:cNvPr id="16" name="Rectangle 15"/>
           <p:cNvSpPr>
             <a:spLocks noGrp="1" noRot="1" noChangeAspect="1" noMove="1" noResize="1" noEditPoints="1" noAdjustHandles="1" noChangeArrowheads="1" noChangeShapeType="1" noTextEdit="1"/>
           </p:cNvSpPr>
-          <p:nvPr>
-            <p:extLst>
-              <p:ext uri="{386F3935-93C4-4BCD-93E2-E3B085C9AB24}">
-                <p16:designElem xmlns:p16="http://schemas.microsoft.com/office/powerpoint/2015/main" val="1"/>
-              </p:ext>
-            </p:extLst>
-          </p:nvPr>
+          <p:nvPr/>
         </p:nvSpPr>
         <p:spPr>
           <a:xfrm>
@@ -3319,7 +3213,6 @@
               <a:buSzTx/>
               <a:buFontTx/>
               <a:buNone/>
-              <a:tabLst/>
               <a:defRPr/>
             </a:pPr>
             <a:endParaRPr kumimoji="0" lang="en-US" sz="1800" b="0" i="0" u="none" strike="noStrike" kern="1200" cap="none" spc="0" normalizeH="0" baseline="0" noProof="0">
@@ -3370,8 +3263,8 @@
                 <a:solidFill>
                   <a:schemeClr val="bg1"/>
                 </a:solidFill>
-                <a:latin typeface="Times New Roman"/>
-                <a:cs typeface="Times New Roman"/>
+                <a:latin typeface="Times New Roman" panose="02020603050405020304"/>
+                <a:cs typeface="Times New Roman" panose="02020603050405020304"/>
               </a:rPr>
               <a:t>Meno a </a:t>
             </a:r>
@@ -3380,8 +3273,8 @@
                 <a:solidFill>
                   <a:schemeClr val="bg1"/>
                 </a:solidFill>
-                <a:latin typeface="Times New Roman"/>
-                <a:cs typeface="Times New Roman"/>
+                <a:latin typeface="Times New Roman" panose="02020603050405020304"/>
+                <a:cs typeface="Times New Roman" panose="02020603050405020304"/>
               </a:rPr>
               <a:t>priezvisko</a:t>
             </a:r>
@@ -3390,11 +3283,18 @@
                 <a:solidFill>
                   <a:schemeClr val="bg1"/>
                 </a:solidFill>
-                <a:latin typeface="Times New Roman"/>
-                <a:cs typeface="Times New Roman"/>
+                <a:latin typeface="Times New Roman" panose="02020603050405020304"/>
+                <a:cs typeface="Times New Roman" panose="02020603050405020304"/>
               </a:rPr>
               <a:t> : Norbu Borbély</a:t>
             </a:r>
+            <a:endParaRPr lang="en-US" sz="1700" dirty="0">
+              <a:solidFill>
+                <a:schemeClr val="bg1"/>
+              </a:solidFill>
+              <a:latin typeface="Times New Roman" panose="02020603050405020304"/>
+              <a:cs typeface="Times New Roman" panose="02020603050405020304"/>
+            </a:endParaRPr>
           </a:p>
           <a:p>
             <a:pPr indent="-228600" algn="l">
@@ -3406,8 +3306,8 @@
                 <a:solidFill>
                   <a:schemeClr val="bg1"/>
                 </a:solidFill>
-                <a:latin typeface="Times New Roman"/>
-                <a:cs typeface="Times New Roman"/>
+                <a:latin typeface="Times New Roman" panose="02020603050405020304"/>
+                <a:cs typeface="Times New Roman" panose="02020603050405020304"/>
               </a:rPr>
               <a:t>Vedúci</a:t>
             </a:r>
@@ -3416,8 +3316,8 @@
                 <a:solidFill>
                   <a:schemeClr val="bg1"/>
                 </a:solidFill>
-                <a:latin typeface="Times New Roman"/>
-                <a:cs typeface="Times New Roman"/>
+                <a:latin typeface="Times New Roman" panose="02020603050405020304"/>
+                <a:cs typeface="Times New Roman" panose="02020603050405020304"/>
               </a:rPr>
               <a:t> </a:t>
             </a:r>
@@ -3426,8 +3326,8 @@
                 <a:solidFill>
                   <a:schemeClr val="bg1"/>
                 </a:solidFill>
-                <a:latin typeface="Times New Roman"/>
-                <a:cs typeface="Times New Roman"/>
+                <a:latin typeface="Times New Roman" panose="02020603050405020304"/>
+                <a:cs typeface="Times New Roman" panose="02020603050405020304"/>
               </a:rPr>
               <a:t>práce</a:t>
             </a:r>
@@ -3436,8 +3336,8 @@
                 <a:solidFill>
                   <a:schemeClr val="bg1"/>
                 </a:solidFill>
-                <a:latin typeface="Times New Roman"/>
-                <a:cs typeface="Times New Roman"/>
+                <a:latin typeface="Times New Roman" panose="02020603050405020304"/>
+                <a:cs typeface="Times New Roman" panose="02020603050405020304"/>
               </a:rPr>
               <a:t> : Ing. Peter </a:t>
             </a:r>
@@ -3446,8 +3346,8 @@
                 <a:solidFill>
                   <a:schemeClr val="bg1"/>
                 </a:solidFill>
-                <a:latin typeface="Times New Roman"/>
-                <a:cs typeface="Times New Roman"/>
+                <a:latin typeface="Times New Roman" panose="02020603050405020304"/>
+                <a:cs typeface="Times New Roman" panose="02020603050405020304"/>
               </a:rPr>
               <a:t>Remiš</a:t>
             </a:r>
@@ -3455,8 +3355,8 @@
               <a:solidFill>
                 <a:schemeClr val="bg1"/>
               </a:solidFill>
-              <a:latin typeface="Times New Roman"/>
-              <a:cs typeface="Times New Roman"/>
+              <a:latin typeface="Times New Roman" panose="02020603050405020304"/>
+              <a:cs typeface="Times New Roman" panose="02020603050405020304"/>
             </a:endParaRPr>
           </a:p>
           <a:p>
@@ -3469,8 +3369,8 @@
                 <a:solidFill>
                   <a:schemeClr val="bg1"/>
                 </a:solidFill>
-                <a:latin typeface="Times New Roman"/>
-                <a:cs typeface="Times New Roman"/>
+                <a:latin typeface="Times New Roman" panose="02020603050405020304"/>
+                <a:cs typeface="Times New Roman" panose="02020603050405020304"/>
               </a:rPr>
               <a:t>Školský</a:t>
             </a:r>
@@ -3479,8 +3379,8 @@
                 <a:solidFill>
                   <a:schemeClr val="bg1"/>
                 </a:solidFill>
-                <a:latin typeface="Times New Roman"/>
-                <a:cs typeface="Times New Roman"/>
+                <a:latin typeface="Times New Roman" panose="02020603050405020304"/>
+                <a:cs typeface="Times New Roman" panose="02020603050405020304"/>
               </a:rPr>
               <a:t> </a:t>
             </a:r>
@@ -3489,8 +3389,8 @@
                 <a:solidFill>
                   <a:schemeClr val="bg1"/>
                 </a:solidFill>
-                <a:latin typeface="Times New Roman"/>
-                <a:cs typeface="Times New Roman"/>
+                <a:latin typeface="Times New Roman" panose="02020603050405020304"/>
+                <a:cs typeface="Times New Roman" panose="02020603050405020304"/>
               </a:rPr>
               <a:t>rok</a:t>
             </a:r>
@@ -3499,11 +3399,18 @@
                 <a:solidFill>
                   <a:schemeClr val="bg1"/>
                 </a:solidFill>
-                <a:latin typeface="Times New Roman"/>
-                <a:cs typeface="Times New Roman"/>
+                <a:latin typeface="Times New Roman" panose="02020603050405020304"/>
+                <a:cs typeface="Times New Roman" panose="02020603050405020304"/>
               </a:rPr>
               <a:t> : 2024/25</a:t>
             </a:r>
+            <a:endParaRPr lang="en-US" sz="1700" dirty="0">
+              <a:solidFill>
+                <a:schemeClr val="bg1"/>
+              </a:solidFill>
+              <a:latin typeface="Times New Roman" panose="02020603050405020304"/>
+              <a:cs typeface="Times New Roman" panose="02020603050405020304"/>
+            </a:endParaRPr>
           </a:p>
           <a:p>
             <a:pPr indent="-228600" algn="l">
@@ -3515,8 +3422,8 @@
                 <a:solidFill>
                   <a:schemeClr val="bg1"/>
                 </a:solidFill>
-                <a:latin typeface="Times New Roman"/>
-                <a:cs typeface="Times New Roman"/>
+                <a:latin typeface="Times New Roman" panose="02020603050405020304"/>
+                <a:cs typeface="Times New Roman" panose="02020603050405020304"/>
               </a:rPr>
               <a:t>Trieda</a:t>
             </a:r>
@@ -3525,20 +3432,22 @@
                 <a:solidFill>
                   <a:schemeClr val="bg1"/>
                 </a:solidFill>
-                <a:latin typeface="Times New Roman"/>
-                <a:cs typeface="Times New Roman"/>
+                <a:latin typeface="Times New Roman" panose="02020603050405020304"/>
+                <a:cs typeface="Times New Roman" panose="02020603050405020304"/>
               </a:rPr>
               <a:t> : 4.CI</a:t>
             </a:r>
+            <a:endParaRPr lang="en-US" sz="1700" dirty="0">
+              <a:solidFill>
+                <a:schemeClr val="bg1"/>
+              </a:solidFill>
+              <a:latin typeface="Times New Roman" panose="02020603050405020304"/>
+              <a:cs typeface="Times New Roman" panose="02020603050405020304"/>
+            </a:endParaRPr>
           </a:p>
         </p:txBody>
       </p:sp>
     </p:spTree>
-    <p:extLst>
-      <p:ext uri="{BB962C8B-B14F-4D97-AF65-F5344CB8AC3E}">
-        <p14:creationId xmlns:p14="http://schemas.microsoft.com/office/powerpoint/2010/main" val="109857222"/>
-      </p:ext>
-    </p:extLst>
   </p:cSld>
   <p:clrMapOvr>
     <a:masterClrMapping/>
@@ -3573,26 +3482,11 @@
       </p:grpSpPr>
       <p:sp useBgFill="1">
         <p:nvSpPr>
-          <p:cNvPr id="8" name="Rectangle 7">
-            <a:extLst>
-              <a:ext uri="{FF2B5EF4-FFF2-40B4-BE49-F238E27FC236}">
-                <a16:creationId xmlns:a16="http://schemas.microsoft.com/office/drawing/2014/main" id="{1B15ED52-F352-441B-82BF-E0EA34836D08}"/>
-              </a:ext>
-              <a:ext uri="{C183D7F6-B498-43B3-948B-1728B52AA6E4}">
-                <adec:decorative xmlns:adec="http://schemas.microsoft.com/office/drawing/2017/decorative" val="1"/>
-              </a:ext>
-            </a:extLst>
-          </p:cNvPr>
+          <p:cNvPr id="8" name="Rectangle 7"/>
           <p:cNvSpPr>
             <a:spLocks noGrp="1" noRot="1" noChangeAspect="1" noMove="1" noResize="1" noEditPoints="1" noAdjustHandles="1" noChangeArrowheads="1" noChangeShapeType="1" noTextEdit="1"/>
           </p:cNvSpPr>
-          <p:nvPr>
-            <p:extLst>
-              <p:ext uri="{386F3935-93C4-4BCD-93E2-E3B085C9AB24}">
-                <p16:designElem xmlns:p16="http://schemas.microsoft.com/office/powerpoint/2015/main" val="1"/>
-              </p:ext>
-            </p:extLst>
-          </p:nvPr>
+          <p:nvPr/>
         </p:nvSpPr>
         <p:spPr>
           <a:xfrm>
@@ -3610,7 +3504,7 @@
           <a:effectLst/>
           <a:extLst>
             <a:ext uri="{91240B29-F687-4F45-9708-019B960494DF}">
-              <a14:hiddenLine xmlns:a14="http://schemas.microsoft.com/office/drawing/2010/main" w="12700" cap="flat" cmpd="sng" algn="ctr">
+              <a14:hiddenLine xmlns:a14="http://schemas.microsoft.com/office/drawing/2010/main" w="12700">
                 <a:solidFill>
                   <a:schemeClr val="accent1">
                     <a:shade val="50000"/>
@@ -3618,6 +3512,8 @@
                 </a:solidFill>
                 <a:prstDash val="solid"/>
                 <a:miter lim="800000"/>
+                <a:headEnd/>
+                <a:tailEnd/>
               </a14:hiddenLine>
             </a:ext>
           </a:extLst>
@@ -3649,26 +3545,11 @@
       </p:sp>
       <p:sp>
         <p:nvSpPr>
-          <p:cNvPr id="10" name="Rectangle 9">
-            <a:extLst>
-              <a:ext uri="{FF2B5EF4-FFF2-40B4-BE49-F238E27FC236}">
-                <a16:creationId xmlns:a16="http://schemas.microsoft.com/office/drawing/2014/main" id="{3B2E3793-BFE6-45A2-9B7B-E18844431C99}"/>
-              </a:ext>
-              <a:ext uri="{C183D7F6-B498-43B3-948B-1728B52AA6E4}">
-                <adec:decorative xmlns:adec="http://schemas.microsoft.com/office/drawing/2017/decorative" val="1"/>
-              </a:ext>
-            </a:extLst>
-          </p:cNvPr>
+          <p:cNvPr id="10" name="Rectangle 9"/>
           <p:cNvSpPr>
             <a:spLocks noGrp="1" noRot="1" noChangeAspect="1" noMove="1" noResize="1" noEditPoints="1" noAdjustHandles="1" noChangeArrowheads="1" noChangeShapeType="1" noTextEdit="1"/>
           </p:cNvSpPr>
-          <p:nvPr>
-            <p:extLst>
-              <p:ext uri="{386F3935-93C4-4BCD-93E2-E3B085C9AB24}">
-                <p16:designElem xmlns:p16="http://schemas.microsoft.com/office/powerpoint/2015/main" val="1"/>
-              </p:ext>
-            </p:extLst>
-          </p:nvPr>
+          <p:nvPr/>
         </p:nvSpPr>
         <p:spPr>
           <a:xfrm flipH="1">
@@ -3722,26 +3603,11 @@
       </p:sp>
       <p:sp>
         <p:nvSpPr>
-          <p:cNvPr id="12" name="Rectangle 11">
-            <a:extLst>
-              <a:ext uri="{FF2B5EF4-FFF2-40B4-BE49-F238E27FC236}">
-                <a16:creationId xmlns:a16="http://schemas.microsoft.com/office/drawing/2014/main" id="{BC4C4868-CB8F-4AF9-9CDB-8108F2C19B67}"/>
-              </a:ext>
-              <a:ext uri="{C183D7F6-B498-43B3-948B-1728B52AA6E4}">
-                <adec:decorative xmlns:adec="http://schemas.microsoft.com/office/drawing/2017/decorative" val="1"/>
-              </a:ext>
-            </a:extLst>
-          </p:cNvPr>
+          <p:cNvPr id="12" name="Rectangle 11"/>
           <p:cNvSpPr>
             <a:spLocks noGrp="1" noRot="1" noChangeAspect="1" noMove="1" noResize="1" noEditPoints="1" noAdjustHandles="1" noChangeArrowheads="1" noChangeShapeType="1" noTextEdit="1"/>
           </p:cNvSpPr>
-          <p:nvPr>
-            <p:extLst>
-              <p:ext uri="{386F3935-93C4-4BCD-93E2-E3B085C9AB24}">
-                <p16:designElem xmlns:p16="http://schemas.microsoft.com/office/powerpoint/2015/main" val="1"/>
-              </p:ext>
-            </p:extLst>
-          </p:nvPr>
+          <p:nvPr/>
         </p:nvSpPr>
         <p:spPr>
           <a:xfrm rot="10800000" flipH="1">
@@ -3798,26 +3664,11 @@
       </p:sp>
       <p:sp>
         <p:nvSpPr>
-          <p:cNvPr id="14" name="Rectangle 13">
-            <a:extLst>
-              <a:ext uri="{FF2B5EF4-FFF2-40B4-BE49-F238E27FC236}">
-                <a16:creationId xmlns:a16="http://schemas.microsoft.com/office/drawing/2014/main" id="{375E0459-6403-40CD-989D-56A4407CA12E}"/>
-              </a:ext>
-              <a:ext uri="{C183D7F6-B498-43B3-948B-1728B52AA6E4}">
-                <adec:decorative xmlns:adec="http://schemas.microsoft.com/office/drawing/2017/decorative" val="1"/>
-              </a:ext>
-            </a:extLst>
-          </p:cNvPr>
+          <p:cNvPr id="14" name="Rectangle 13"/>
           <p:cNvSpPr>
             <a:spLocks noGrp="1" noRot="1" noChangeAspect="1" noMove="1" noResize="1" noEditPoints="1" noAdjustHandles="1" noChangeArrowheads="1" noChangeShapeType="1" noTextEdit="1"/>
           </p:cNvSpPr>
-          <p:nvPr>
-            <p:extLst>
-              <p:ext uri="{386F3935-93C4-4BCD-93E2-E3B085C9AB24}">
-                <p16:designElem xmlns:p16="http://schemas.microsoft.com/office/powerpoint/2015/main" val="1"/>
-              </p:ext>
-            </p:extLst>
-          </p:nvPr>
+          <p:nvPr/>
         </p:nvSpPr>
         <p:spPr>
           <a:xfrm flipH="1">
@@ -3873,26 +3724,11 @@
       </p:sp>
       <p:sp>
         <p:nvSpPr>
-          <p:cNvPr id="16" name="Rectangle 15">
-            <a:extLst>
-              <a:ext uri="{FF2B5EF4-FFF2-40B4-BE49-F238E27FC236}">
-                <a16:creationId xmlns:a16="http://schemas.microsoft.com/office/drawing/2014/main" id="{53E5B1A8-3AC9-4BD1-9BBC-78CA94F2D1BA}"/>
-              </a:ext>
-              <a:ext uri="{C183D7F6-B498-43B3-948B-1728B52AA6E4}">
-                <adec:decorative xmlns:adec="http://schemas.microsoft.com/office/drawing/2017/decorative" val="1"/>
-              </a:ext>
-            </a:extLst>
-          </p:cNvPr>
+          <p:cNvPr id="16" name="Rectangle 15"/>
           <p:cNvSpPr>
             <a:spLocks noGrp="1" noRot="1" noChangeAspect="1" noMove="1" noResize="1" noEditPoints="1" noAdjustHandles="1" noChangeArrowheads="1" noChangeShapeType="1" noTextEdit="1"/>
           </p:cNvSpPr>
-          <p:nvPr>
-            <p:extLst>
-              <p:ext uri="{386F3935-93C4-4BCD-93E2-E3B085C9AB24}">
-                <p16:designElem xmlns:p16="http://schemas.microsoft.com/office/powerpoint/2015/main" val="1"/>
-              </p:ext>
-            </p:extLst>
-          </p:nvPr>
+          <p:nvPr/>
         </p:nvSpPr>
         <p:spPr>
           <a:xfrm>
@@ -3949,13 +3785,7 @@
       </p:sp>
       <p:sp>
         <p:nvSpPr>
-          <p:cNvPr id="2" name="Title 1">
-            <a:extLst>
-              <a:ext uri="{FF2B5EF4-FFF2-40B4-BE49-F238E27FC236}">
-                <a16:creationId xmlns:a16="http://schemas.microsoft.com/office/drawing/2014/main" id="{C18CDFDC-DBFB-85BC-E330-3B7CD0F8E3D3}"/>
-              </a:ext>
-            </a:extLst>
-          </p:cNvPr>
+          <p:cNvPr id="2" name="Title 1"/>
           <p:cNvSpPr>
             <a:spLocks noGrp="1"/>
           </p:cNvSpPr>
@@ -3980,18 +3810,29 @@
                 <a:solidFill>
                   <a:srgbClr val="FFFFFF"/>
                 </a:solidFill>
-                <a:latin typeface="Times New Roman"/>
+                <a:latin typeface="Times New Roman" panose="02020603050405020304"/>
                 <a:ea typeface="+mj-lt"/>
                 <a:cs typeface="+mj-lt"/>
               </a:rPr>
-              <a:t>Hlavne</a:t>
+              <a:t>Hlavn</a:t>
+            </a:r>
+            <a:r>
+              <a:rPr lang="sk-SK" sz="4000" dirty="0" err="1">
+                <a:solidFill>
+                  <a:srgbClr val="FFFFFF"/>
+                </a:solidFill>
+                <a:latin typeface="Times New Roman" panose="02020603050405020304"/>
+                <a:ea typeface="+mj-lt"/>
+                <a:cs typeface="+mj-lt"/>
+              </a:rPr>
+              <a:t>é</a:t>
             </a:r>
             <a:r>
               <a:rPr lang="en-GB" sz="4000" dirty="0">
                 <a:solidFill>
                   <a:srgbClr val="FFFFFF"/>
                 </a:solidFill>
-                <a:latin typeface="Times New Roman"/>
+                <a:latin typeface="Times New Roman" panose="02020603050405020304"/>
                 <a:ea typeface="+mj-lt"/>
                 <a:cs typeface="+mj-lt"/>
               </a:rPr>
@@ -4002,7 +3843,7 @@
                 <a:solidFill>
                   <a:srgbClr val="FFFFFF"/>
                 </a:solidFill>
-                <a:latin typeface="Times New Roman"/>
+                <a:latin typeface="Times New Roman" panose="02020603050405020304"/>
                 <a:ea typeface="+mj-lt"/>
                 <a:cs typeface="+mj-lt"/>
               </a:rPr>
@@ -4013,7 +3854,7 @@
                 <a:solidFill>
                   <a:srgbClr val="FFFFFF"/>
                 </a:solidFill>
-                <a:latin typeface="Times New Roman"/>
+                <a:latin typeface="Times New Roman" panose="02020603050405020304"/>
                 <a:ea typeface="+mj-lt"/>
                 <a:cs typeface="+mj-lt"/>
               </a:rPr>
@@ -4023,7 +3864,7 @@
               <a:solidFill>
                 <a:srgbClr val="FFFFFF"/>
               </a:solidFill>
-              <a:latin typeface="Times New Roman"/>
+              <a:latin typeface="Times New Roman" panose="02020603050405020304"/>
               <a:ea typeface="+mj-lt"/>
               <a:cs typeface="+mj-lt"/>
             </a:endParaRPr>
@@ -4032,13 +3873,7 @@
       </p:sp>
       <p:sp>
         <p:nvSpPr>
-          <p:cNvPr id="3" name="Content Placeholder 2">
-            <a:extLst>
-              <a:ext uri="{FF2B5EF4-FFF2-40B4-BE49-F238E27FC236}">
-                <a16:creationId xmlns:a16="http://schemas.microsoft.com/office/drawing/2014/main" id="{135F6265-F5C4-6A5E-0E4C-694E6B53158E}"/>
-              </a:ext>
-            </a:extLst>
-          </p:cNvPr>
+          <p:cNvPr id="3" name="Content Placeholder 2"/>
           <p:cNvSpPr>
             <a:spLocks noGrp="1"/>
           </p:cNvSpPr>
@@ -4065,7 +3900,7 @@
             </a:pPr>
             <a:r>
               <a:rPr lang="en-GB" sz="2400" err="1">
-                <a:latin typeface="Times New Roman"/>
+                <a:latin typeface="Times New Roman" panose="02020603050405020304"/>
                 <a:ea typeface="+mn-lt"/>
                 <a:cs typeface="+mn-lt"/>
               </a:rPr>
@@ -4073,7 +3908,7 @@
             </a:r>
             <a:r>
               <a:rPr lang="en-GB" sz="2400" dirty="0">
-                <a:latin typeface="Times New Roman"/>
+                <a:latin typeface="Times New Roman" panose="02020603050405020304"/>
                 <a:ea typeface="+mn-lt"/>
                 <a:cs typeface="+mn-lt"/>
               </a:rPr>
@@ -4081,7 +3916,7 @@
             </a:r>
             <a:r>
               <a:rPr lang="en-GB" sz="2400" err="1">
-                <a:latin typeface="Times New Roman"/>
+                <a:latin typeface="Times New Roman" panose="02020603050405020304"/>
                 <a:ea typeface="+mn-lt"/>
                 <a:cs typeface="+mn-lt"/>
               </a:rPr>
@@ -4089,7 +3924,7 @@
             </a:r>
             <a:r>
               <a:rPr lang="en-GB" sz="2400" dirty="0">
-                <a:latin typeface="Times New Roman"/>
+                <a:latin typeface="Times New Roman" panose="02020603050405020304"/>
                 <a:ea typeface="+mn-lt"/>
                 <a:cs typeface="+mn-lt"/>
               </a:rPr>
@@ -4097,7 +3932,7 @@
             </a:r>
             <a:r>
               <a:rPr lang="en-GB" sz="2400" err="1">
-                <a:latin typeface="Times New Roman"/>
+                <a:latin typeface="Times New Roman" panose="02020603050405020304"/>
                 <a:ea typeface="+mn-lt"/>
                 <a:cs typeface="+mn-lt"/>
               </a:rPr>
@@ -4105,7 +3940,7 @@
             </a:r>
             <a:r>
               <a:rPr lang="en-GB" sz="2400" dirty="0">
-                <a:latin typeface="Times New Roman"/>
+                <a:latin typeface="Times New Roman" panose="02020603050405020304"/>
                 <a:ea typeface="+mn-lt"/>
                 <a:cs typeface="+mn-lt"/>
               </a:rPr>
@@ -4113,7 +3948,7 @@
             </a:r>
             <a:r>
               <a:rPr lang="en-GB" sz="2400" err="1">
-                <a:latin typeface="Times New Roman"/>
+                <a:latin typeface="Times New Roman" panose="02020603050405020304"/>
                 <a:ea typeface="+mn-lt"/>
                 <a:cs typeface="+mn-lt"/>
               </a:rPr>
@@ -4121,7 +3956,7 @@
             </a:r>
             <a:r>
               <a:rPr lang="en-GB" sz="2400" dirty="0">
-                <a:latin typeface="Times New Roman"/>
+                <a:latin typeface="Times New Roman" panose="02020603050405020304"/>
                 <a:ea typeface="+mn-lt"/>
                 <a:cs typeface="+mn-lt"/>
               </a:rPr>
@@ -4129,7 +3964,7 @@
             </a:r>
             <a:r>
               <a:rPr lang="en-GB" sz="2400" err="1">
-                <a:latin typeface="Times New Roman"/>
+                <a:latin typeface="Times New Roman" panose="02020603050405020304"/>
                 <a:ea typeface="+mn-lt"/>
                 <a:cs typeface="+mn-lt"/>
               </a:rPr>
@@ -4137,7 +3972,7 @@
             </a:r>
             <a:r>
               <a:rPr lang="en-GB" sz="2400" dirty="0">
-                <a:latin typeface="Times New Roman"/>
+                <a:latin typeface="Times New Roman" panose="02020603050405020304"/>
                 <a:ea typeface="+mn-lt"/>
                 <a:cs typeface="+mn-lt"/>
               </a:rPr>
@@ -4145,7 +3980,7 @@
             </a:r>
             <a:r>
               <a:rPr lang="en-GB" sz="2400" err="1">
-                <a:latin typeface="Times New Roman"/>
+                <a:latin typeface="Times New Roman" panose="02020603050405020304"/>
                 <a:ea typeface="+mn-lt"/>
                 <a:cs typeface="+mn-lt"/>
               </a:rPr>
@@ -4153,7 +3988,7 @@
             </a:r>
             <a:r>
               <a:rPr lang="en-GB" sz="2400" dirty="0">
-                <a:latin typeface="Times New Roman"/>
+                <a:latin typeface="Times New Roman" panose="02020603050405020304"/>
                 <a:ea typeface="+mn-lt"/>
                 <a:cs typeface="+mn-lt"/>
               </a:rPr>
@@ -4161,7 +3996,7 @@
             </a:r>
             <a:r>
               <a:rPr lang="en-GB" sz="2400" err="1">
-                <a:latin typeface="Times New Roman"/>
+                <a:latin typeface="Times New Roman" panose="02020603050405020304"/>
                 <a:ea typeface="+mn-lt"/>
                 <a:cs typeface="+mn-lt"/>
               </a:rPr>
@@ -4169,15 +4004,15 @@
             </a:r>
             <a:r>
               <a:rPr lang="en-GB" sz="2400" dirty="0">
-                <a:latin typeface="Times New Roman"/>
+                <a:latin typeface="Times New Roman" panose="02020603050405020304"/>
                 <a:ea typeface="+mn-lt"/>
                 <a:cs typeface="+mn-lt"/>
               </a:rPr>
               <a:t> Arduino Nano.</a:t>
             </a:r>
             <a:endParaRPr lang="en-GB" sz="2400">
-              <a:latin typeface="Times New Roman"/>
-              <a:cs typeface="Times New Roman"/>
+              <a:latin typeface="Times New Roman" panose="02020603050405020304"/>
+              <a:cs typeface="Times New Roman" panose="02020603050405020304"/>
             </a:endParaRPr>
           </a:p>
           <a:p>
@@ -4188,7 +4023,7 @@
             </a:pPr>
             <a:r>
               <a:rPr lang="en-GB" sz="2400" err="1">
-                <a:latin typeface="Times New Roman"/>
+                <a:latin typeface="Times New Roman" panose="02020603050405020304"/>
                 <a:ea typeface="+mn-lt"/>
                 <a:cs typeface="+mn-lt"/>
               </a:rPr>
@@ -4196,7 +4031,7 @@
             </a:r>
             <a:r>
               <a:rPr lang="en-GB" sz="2400" dirty="0">
-                <a:latin typeface="Times New Roman"/>
+                <a:latin typeface="Times New Roman" panose="02020603050405020304"/>
                 <a:ea typeface="+mn-lt"/>
                 <a:cs typeface="+mn-lt"/>
               </a:rPr>
@@ -4204,7 +4039,7 @@
             </a:r>
             <a:r>
               <a:rPr lang="en-GB" sz="2400" err="1">
-                <a:latin typeface="Times New Roman"/>
+                <a:latin typeface="Times New Roman" panose="02020603050405020304"/>
                 <a:ea typeface="+mn-lt"/>
                 <a:cs typeface="+mn-lt"/>
               </a:rPr>
@@ -4212,7 +4047,7 @@
             </a:r>
             <a:r>
               <a:rPr lang="en-GB" sz="2400" dirty="0">
-                <a:latin typeface="Times New Roman"/>
+                <a:latin typeface="Times New Roman" panose="02020603050405020304"/>
                 <a:ea typeface="+mn-lt"/>
                 <a:cs typeface="+mn-lt"/>
               </a:rPr>
@@ -4220,7 +4055,7 @@
             </a:r>
             <a:r>
               <a:rPr lang="en-GB" sz="2400" err="1">
-                <a:latin typeface="Times New Roman"/>
+                <a:latin typeface="Times New Roman" panose="02020603050405020304"/>
                 <a:ea typeface="+mn-lt"/>
                 <a:cs typeface="+mn-lt"/>
               </a:rPr>
@@ -4228,7 +4063,7 @@
             </a:r>
             <a:r>
               <a:rPr lang="en-GB" sz="2400" dirty="0">
-                <a:latin typeface="Times New Roman"/>
+                <a:latin typeface="Times New Roman" panose="02020603050405020304"/>
                 <a:ea typeface="+mn-lt"/>
                 <a:cs typeface="+mn-lt"/>
               </a:rPr>
@@ -4236,7 +4071,7 @@
             </a:r>
             <a:r>
               <a:rPr lang="en-GB" sz="2400" err="1">
-                <a:latin typeface="Times New Roman"/>
+                <a:latin typeface="Times New Roman" panose="02020603050405020304"/>
                 <a:ea typeface="+mn-lt"/>
                 <a:cs typeface="+mn-lt"/>
               </a:rPr>
@@ -4244,7 +4079,7 @@
             </a:r>
             <a:r>
               <a:rPr lang="en-GB" sz="2400" dirty="0">
-                <a:latin typeface="Times New Roman"/>
+                <a:latin typeface="Times New Roman" panose="02020603050405020304"/>
                 <a:ea typeface="+mn-lt"/>
                 <a:cs typeface="+mn-lt"/>
               </a:rPr>
@@ -4252,7 +4087,7 @@
             </a:r>
             <a:r>
               <a:rPr lang="en-GB" sz="2400" err="1">
-                <a:latin typeface="Times New Roman"/>
+                <a:latin typeface="Times New Roman" panose="02020603050405020304"/>
                 <a:ea typeface="+mn-lt"/>
                 <a:cs typeface="+mn-lt"/>
               </a:rPr>
@@ -4260,7 +4095,7 @@
             </a:r>
             <a:r>
               <a:rPr lang="en-GB" sz="2400" dirty="0">
-                <a:latin typeface="Times New Roman"/>
+                <a:latin typeface="Times New Roman" panose="02020603050405020304"/>
                 <a:ea typeface="+mn-lt"/>
                 <a:cs typeface="+mn-lt"/>
               </a:rPr>
@@ -4268,7 +4103,7 @@
             </a:r>
             <a:r>
               <a:rPr lang="en-GB" sz="2400" err="1">
-                <a:latin typeface="Times New Roman"/>
+                <a:latin typeface="Times New Roman" panose="02020603050405020304"/>
                 <a:ea typeface="+mn-lt"/>
                 <a:cs typeface="+mn-lt"/>
               </a:rPr>
@@ -4276,7 +4111,7 @@
             </a:r>
             <a:r>
               <a:rPr lang="en-GB" sz="2400" dirty="0">
-                <a:latin typeface="Times New Roman"/>
+                <a:latin typeface="Times New Roman" panose="02020603050405020304"/>
                 <a:ea typeface="+mn-lt"/>
                 <a:cs typeface="+mn-lt"/>
               </a:rPr>
@@ -4284,7 +4119,7 @@
             </a:r>
             <a:r>
               <a:rPr lang="en-GB" sz="2400" err="1">
-                <a:latin typeface="Times New Roman"/>
+                <a:latin typeface="Times New Roman" panose="02020603050405020304"/>
                 <a:ea typeface="+mn-lt"/>
                 <a:cs typeface="+mn-lt"/>
               </a:rPr>
@@ -4292,12 +4127,17 @@
             </a:r>
             <a:r>
               <a:rPr lang="en-GB" sz="2400" dirty="0">
-                <a:latin typeface="Times New Roman"/>
+                <a:latin typeface="Times New Roman" panose="02020603050405020304"/>
                 <a:ea typeface="+mn-lt"/>
                 <a:cs typeface="+mn-lt"/>
               </a:rPr>
               <a:t>.</a:t>
             </a:r>
+            <a:endParaRPr lang="en-GB" sz="2400" dirty="0">
+              <a:latin typeface="Times New Roman" panose="02020603050405020304"/>
+              <a:ea typeface="+mn-lt"/>
+              <a:cs typeface="+mn-lt"/>
+            </a:endParaRPr>
           </a:p>
           <a:p>
             <a:pPr>
@@ -4307,7 +4147,7 @@
             </a:pPr>
             <a:r>
               <a:rPr lang="en-GB" sz="2400" err="1">
-                <a:latin typeface="Times New Roman"/>
+                <a:latin typeface="Times New Roman" panose="02020603050405020304"/>
                 <a:ea typeface="+mn-lt"/>
                 <a:cs typeface="+mn-lt"/>
               </a:rPr>
@@ -4315,7 +4155,7 @@
             </a:r>
             <a:r>
               <a:rPr lang="en-GB" sz="2400" dirty="0">
-                <a:latin typeface="Times New Roman"/>
+                <a:latin typeface="Times New Roman" panose="02020603050405020304"/>
                 <a:ea typeface="+mn-lt"/>
                 <a:cs typeface="+mn-lt"/>
               </a:rPr>
@@ -4323,7 +4163,7 @@
             </a:r>
             <a:r>
               <a:rPr lang="en-GB" sz="2400" err="1">
-                <a:latin typeface="Times New Roman"/>
+                <a:latin typeface="Times New Roman" panose="02020603050405020304"/>
                 <a:ea typeface="+mn-lt"/>
                 <a:cs typeface="+mn-lt"/>
               </a:rPr>
@@ -4331,7 +4171,7 @@
             </a:r>
             <a:r>
               <a:rPr lang="en-GB" sz="2400" dirty="0">
-                <a:latin typeface="Times New Roman"/>
+                <a:latin typeface="Times New Roman" panose="02020603050405020304"/>
                 <a:ea typeface="+mn-lt"/>
                 <a:cs typeface="+mn-lt"/>
               </a:rPr>
@@ -4339,7 +4179,7 @@
             </a:r>
             <a:r>
               <a:rPr lang="en-GB" sz="2400" err="1">
-                <a:latin typeface="Times New Roman"/>
+                <a:latin typeface="Times New Roman" panose="02020603050405020304"/>
                 <a:ea typeface="+mn-lt"/>
                 <a:cs typeface="+mn-lt"/>
               </a:rPr>
@@ -4347,12 +4187,17 @@
             </a:r>
             <a:r>
               <a:rPr lang="en-GB" sz="2400" dirty="0">
-                <a:latin typeface="Times New Roman"/>
+                <a:latin typeface="Times New Roman" panose="02020603050405020304"/>
                 <a:ea typeface="+mn-lt"/>
                 <a:cs typeface="+mn-lt"/>
               </a:rPr>
               <a:t>.</a:t>
             </a:r>
+            <a:endParaRPr lang="en-GB" sz="2400" dirty="0">
+              <a:latin typeface="Times New Roman" panose="02020603050405020304"/>
+              <a:ea typeface="+mn-lt"/>
+              <a:cs typeface="+mn-lt"/>
+            </a:endParaRPr>
           </a:p>
           <a:p>
             <a:pPr>
@@ -4362,7 +4207,7 @@
             </a:pPr>
             <a:r>
               <a:rPr lang="en-GB" sz="2400" err="1">
-                <a:latin typeface="Times New Roman"/>
+                <a:latin typeface="Times New Roman" panose="02020603050405020304"/>
                 <a:ea typeface="+mn-lt"/>
                 <a:cs typeface="+mn-lt"/>
               </a:rPr>
@@ -4370,7 +4215,7 @@
             </a:r>
             <a:r>
               <a:rPr lang="en-GB" sz="2400" dirty="0">
-                <a:latin typeface="Times New Roman"/>
+                <a:latin typeface="Times New Roman" panose="02020603050405020304"/>
                 <a:ea typeface="+mn-lt"/>
                 <a:cs typeface="+mn-lt"/>
               </a:rPr>
@@ -4378,7 +4223,7 @@
             </a:r>
             <a:r>
               <a:rPr lang="en-GB" sz="2400" err="1">
-                <a:latin typeface="Times New Roman"/>
+                <a:latin typeface="Times New Roman" panose="02020603050405020304"/>
                 <a:ea typeface="+mn-lt"/>
                 <a:cs typeface="+mn-lt"/>
               </a:rPr>
@@ -4386,7 +4231,7 @@
             </a:r>
             <a:r>
               <a:rPr lang="en-GB" sz="2400" dirty="0">
-                <a:latin typeface="Times New Roman"/>
+                <a:latin typeface="Times New Roman" panose="02020603050405020304"/>
                 <a:ea typeface="+mn-lt"/>
                 <a:cs typeface="+mn-lt"/>
               </a:rPr>
@@ -4394,7 +4239,7 @@
             </a:r>
             <a:r>
               <a:rPr lang="en-GB" sz="2400" err="1">
-                <a:latin typeface="Times New Roman"/>
+                <a:latin typeface="Times New Roman" panose="02020603050405020304"/>
                 <a:ea typeface="+mn-lt"/>
                 <a:cs typeface="+mn-lt"/>
               </a:rPr>
@@ -4402,12 +4247,17 @@
             </a:r>
             <a:r>
               <a:rPr lang="en-GB" sz="2400" dirty="0">
-                <a:latin typeface="Times New Roman"/>
+                <a:latin typeface="Times New Roman" panose="02020603050405020304"/>
                 <a:ea typeface="+mn-lt"/>
                 <a:cs typeface="+mn-lt"/>
               </a:rPr>
               <a:t>.</a:t>
             </a:r>
+            <a:endParaRPr lang="en-GB" sz="2400" dirty="0">
+              <a:latin typeface="Times New Roman" panose="02020603050405020304"/>
+              <a:ea typeface="+mn-lt"/>
+              <a:cs typeface="+mn-lt"/>
+            </a:endParaRPr>
           </a:p>
           <a:p>
             <a:endParaRPr lang="en-GB" sz="2000"/>
@@ -4415,11 +4265,6 @@
         </p:txBody>
       </p:sp>
     </p:spTree>
-    <p:extLst>
-      <p:ext uri="{BB962C8B-B14F-4D97-AF65-F5344CB8AC3E}">
-        <p14:creationId xmlns:p14="http://schemas.microsoft.com/office/powerpoint/2010/main" val="4018354575"/>
-      </p:ext>
-    </p:extLst>
   </p:cSld>
   <p:clrMapOvr>
     <a:masterClrMapping/>
@@ -4440,13 +4285,7 @@
     </p:bg>
     <p:spTree>
       <p:nvGrpSpPr>
-        <p:cNvPr id="1" name="">
-          <a:extLst>
-            <a:ext uri="{FF2B5EF4-FFF2-40B4-BE49-F238E27FC236}">
-              <a16:creationId xmlns:a16="http://schemas.microsoft.com/office/drawing/2014/main" id="{556C0C0F-C72B-6235-7CCF-A6CF55B45144}"/>
-            </a:ext>
-          </a:extLst>
-        </p:cNvPr>
+        <p:cNvPr id="1" name=""/>
         <p:cNvGrpSpPr/>
         <p:nvPr/>
       </p:nvGrpSpPr>
@@ -4460,26 +4299,11 @@
       </p:grpSpPr>
       <p:sp useBgFill="1">
         <p:nvSpPr>
-          <p:cNvPr id="8" name="Rectangle 7">
-            <a:extLst>
-              <a:ext uri="{FF2B5EF4-FFF2-40B4-BE49-F238E27FC236}">
-                <a16:creationId xmlns:a16="http://schemas.microsoft.com/office/drawing/2014/main" id="{48C52CE6-1640-A3B7-6099-46FBBF9BC83E}"/>
-              </a:ext>
-              <a:ext uri="{C183D7F6-B498-43B3-948B-1728B52AA6E4}">
-                <adec:decorative xmlns:adec="http://schemas.microsoft.com/office/drawing/2017/decorative" val="1"/>
-              </a:ext>
-            </a:extLst>
-          </p:cNvPr>
+          <p:cNvPr id="8" name="Rectangle 7"/>
           <p:cNvSpPr>
             <a:spLocks noGrp="1" noRot="1" noChangeAspect="1" noMove="1" noResize="1" noEditPoints="1" noAdjustHandles="1" noChangeArrowheads="1" noChangeShapeType="1" noTextEdit="1"/>
           </p:cNvSpPr>
-          <p:nvPr>
-            <p:extLst>
-              <p:ext uri="{386F3935-93C4-4BCD-93E2-E3B085C9AB24}">
-                <p16:designElem xmlns:p16="http://schemas.microsoft.com/office/powerpoint/2015/main" val="1"/>
-              </p:ext>
-            </p:extLst>
-          </p:nvPr>
+          <p:nvPr/>
         </p:nvSpPr>
         <p:spPr>
           <a:xfrm>
@@ -4497,7 +4321,7 @@
           <a:effectLst/>
           <a:extLst>
             <a:ext uri="{91240B29-F687-4F45-9708-019B960494DF}">
-              <a14:hiddenLine xmlns:a14="http://schemas.microsoft.com/office/drawing/2010/main" w="12700" cap="flat" cmpd="sng" algn="ctr">
+              <a14:hiddenLine xmlns:a14="http://schemas.microsoft.com/office/drawing/2010/main" w="12700">
                 <a:solidFill>
                   <a:schemeClr val="accent1">
                     <a:shade val="50000"/>
@@ -4505,6 +4329,8 @@
                 </a:solidFill>
                 <a:prstDash val="solid"/>
                 <a:miter lim="800000"/>
+                <a:headEnd/>
+                <a:tailEnd/>
               </a14:hiddenLine>
             </a:ext>
           </a:extLst>
@@ -4536,26 +4362,11 @@
       </p:sp>
       <p:sp>
         <p:nvSpPr>
-          <p:cNvPr id="10" name="Rectangle 9">
-            <a:extLst>
-              <a:ext uri="{FF2B5EF4-FFF2-40B4-BE49-F238E27FC236}">
-                <a16:creationId xmlns:a16="http://schemas.microsoft.com/office/drawing/2014/main" id="{42113BE8-8573-F6C0-80DF-9A58D304949B}"/>
-              </a:ext>
-              <a:ext uri="{C183D7F6-B498-43B3-948B-1728B52AA6E4}">
-                <adec:decorative xmlns:adec="http://schemas.microsoft.com/office/drawing/2017/decorative" val="1"/>
-              </a:ext>
-            </a:extLst>
-          </p:cNvPr>
+          <p:cNvPr id="10" name="Rectangle 9"/>
           <p:cNvSpPr>
             <a:spLocks noGrp="1" noRot="1" noChangeAspect="1" noMove="1" noResize="1" noEditPoints="1" noAdjustHandles="1" noChangeArrowheads="1" noChangeShapeType="1" noTextEdit="1"/>
           </p:cNvSpPr>
-          <p:nvPr>
-            <p:extLst>
-              <p:ext uri="{386F3935-93C4-4BCD-93E2-E3B085C9AB24}">
-                <p16:designElem xmlns:p16="http://schemas.microsoft.com/office/powerpoint/2015/main" val="1"/>
-              </p:ext>
-            </p:extLst>
-          </p:nvPr>
+          <p:nvPr/>
         </p:nvSpPr>
         <p:spPr>
           <a:xfrm flipH="1">
@@ -4609,26 +4420,11 @@
       </p:sp>
       <p:sp>
         <p:nvSpPr>
-          <p:cNvPr id="12" name="Rectangle 11">
-            <a:extLst>
-              <a:ext uri="{FF2B5EF4-FFF2-40B4-BE49-F238E27FC236}">
-                <a16:creationId xmlns:a16="http://schemas.microsoft.com/office/drawing/2014/main" id="{290007A3-953B-9D4A-6C41-636314268124}"/>
-              </a:ext>
-              <a:ext uri="{C183D7F6-B498-43B3-948B-1728B52AA6E4}">
-                <adec:decorative xmlns:adec="http://schemas.microsoft.com/office/drawing/2017/decorative" val="1"/>
-              </a:ext>
-            </a:extLst>
-          </p:cNvPr>
+          <p:cNvPr id="12" name="Rectangle 11"/>
           <p:cNvSpPr>
             <a:spLocks noGrp="1" noRot="1" noChangeAspect="1" noMove="1" noResize="1" noEditPoints="1" noAdjustHandles="1" noChangeArrowheads="1" noChangeShapeType="1" noTextEdit="1"/>
           </p:cNvSpPr>
-          <p:nvPr>
-            <p:extLst>
-              <p:ext uri="{386F3935-93C4-4BCD-93E2-E3B085C9AB24}">
-                <p16:designElem xmlns:p16="http://schemas.microsoft.com/office/powerpoint/2015/main" val="1"/>
-              </p:ext>
-            </p:extLst>
-          </p:nvPr>
+          <p:nvPr/>
         </p:nvSpPr>
         <p:spPr>
           <a:xfrm rot="10800000" flipH="1">
@@ -4685,26 +4481,11 @@
       </p:sp>
       <p:sp>
         <p:nvSpPr>
-          <p:cNvPr id="14" name="Rectangle 13">
-            <a:extLst>
-              <a:ext uri="{FF2B5EF4-FFF2-40B4-BE49-F238E27FC236}">
-                <a16:creationId xmlns:a16="http://schemas.microsoft.com/office/drawing/2014/main" id="{48FFAD3B-2138-DE36-5B42-80F85111C05A}"/>
-              </a:ext>
-              <a:ext uri="{C183D7F6-B498-43B3-948B-1728B52AA6E4}">
-                <adec:decorative xmlns:adec="http://schemas.microsoft.com/office/drawing/2017/decorative" val="1"/>
-              </a:ext>
-            </a:extLst>
-          </p:cNvPr>
+          <p:cNvPr id="14" name="Rectangle 13"/>
           <p:cNvSpPr>
             <a:spLocks noGrp="1" noRot="1" noChangeAspect="1" noMove="1" noResize="1" noEditPoints="1" noAdjustHandles="1" noChangeArrowheads="1" noChangeShapeType="1" noTextEdit="1"/>
           </p:cNvSpPr>
-          <p:nvPr>
-            <p:extLst>
-              <p:ext uri="{386F3935-93C4-4BCD-93E2-E3B085C9AB24}">
-                <p16:designElem xmlns:p16="http://schemas.microsoft.com/office/powerpoint/2015/main" val="1"/>
-              </p:ext>
-            </p:extLst>
-          </p:nvPr>
+          <p:nvPr/>
         </p:nvSpPr>
         <p:spPr>
           <a:xfrm flipH="1">
@@ -4760,26 +4541,11 @@
       </p:sp>
       <p:sp>
         <p:nvSpPr>
-          <p:cNvPr id="16" name="Rectangle 15">
-            <a:extLst>
-              <a:ext uri="{FF2B5EF4-FFF2-40B4-BE49-F238E27FC236}">
-                <a16:creationId xmlns:a16="http://schemas.microsoft.com/office/drawing/2014/main" id="{E63055BB-FE74-23F7-355B-13D746F5E557}"/>
-              </a:ext>
-              <a:ext uri="{C183D7F6-B498-43B3-948B-1728B52AA6E4}">
-                <adec:decorative xmlns:adec="http://schemas.microsoft.com/office/drawing/2017/decorative" val="1"/>
-              </a:ext>
-            </a:extLst>
-          </p:cNvPr>
+          <p:cNvPr id="16" name="Rectangle 15"/>
           <p:cNvSpPr>
             <a:spLocks noGrp="1" noRot="1" noChangeAspect="1" noMove="1" noResize="1" noEditPoints="1" noAdjustHandles="1" noChangeArrowheads="1" noChangeShapeType="1" noTextEdit="1"/>
           </p:cNvSpPr>
-          <p:nvPr>
-            <p:extLst>
-              <p:ext uri="{386F3935-93C4-4BCD-93E2-E3B085C9AB24}">
-                <p16:designElem xmlns:p16="http://schemas.microsoft.com/office/powerpoint/2015/main" val="1"/>
-              </p:ext>
-            </p:extLst>
-          </p:nvPr>
+          <p:nvPr/>
         </p:nvSpPr>
         <p:spPr>
           <a:xfrm>
@@ -4836,13 +4602,7 @@
       </p:sp>
       <p:sp>
         <p:nvSpPr>
-          <p:cNvPr id="2" name="Title 1">
-            <a:extLst>
-              <a:ext uri="{FF2B5EF4-FFF2-40B4-BE49-F238E27FC236}">
-                <a16:creationId xmlns:a16="http://schemas.microsoft.com/office/drawing/2014/main" id="{4F20B1F6-DFF7-6AD5-DF58-C5D57F307A39}"/>
-              </a:ext>
-            </a:extLst>
-          </p:cNvPr>
+          <p:cNvPr id="2" name="Title 1"/>
           <p:cNvSpPr>
             <a:spLocks noGrp="1"/>
           </p:cNvSpPr>
@@ -4903,7 +4663,7 @@
               <a:t> (SOČ):</a:t>
             </a:r>
             <a:endParaRPr lang="en-US" dirty="0">
-              <a:latin typeface="Times New Roman"/>
+              <a:latin typeface="Times New Roman" panose="02020603050405020304"/>
               <a:ea typeface="+mj-lt"/>
               <a:cs typeface="+mj-lt"/>
             </a:endParaRPr>
@@ -4912,13 +4672,7 @@
       </p:sp>
       <p:sp>
         <p:nvSpPr>
-          <p:cNvPr id="3" name="Content Placeholder 2">
-            <a:extLst>
-              <a:ext uri="{FF2B5EF4-FFF2-40B4-BE49-F238E27FC236}">
-                <a16:creationId xmlns:a16="http://schemas.microsoft.com/office/drawing/2014/main" id="{5F35627C-F773-CCF8-ECB2-413957907423}"/>
-              </a:ext>
-            </a:extLst>
-          </p:cNvPr>
+          <p:cNvPr id="3" name="Content Placeholder 2"/>
           <p:cNvSpPr>
             <a:spLocks noGrp="1"/>
           </p:cNvSpPr>
@@ -5076,11 +4830,6 @@
         </p:txBody>
       </p:sp>
     </p:spTree>
-    <p:extLst>
-      <p:ext uri="{BB962C8B-B14F-4D97-AF65-F5344CB8AC3E}">
-        <p14:creationId xmlns:p14="http://schemas.microsoft.com/office/powerpoint/2010/main" val="370011753"/>
-      </p:ext>
-    </p:extLst>
   </p:cSld>
   <p:clrMapOvr>
     <a:masterClrMapping/>
@@ -5115,26 +4864,11 @@
       </p:grpSpPr>
       <p:sp useBgFill="1">
         <p:nvSpPr>
-          <p:cNvPr id="74" name="Rectangle 73">
-            <a:extLst>
-              <a:ext uri="{FF2B5EF4-FFF2-40B4-BE49-F238E27FC236}">
-                <a16:creationId xmlns:a16="http://schemas.microsoft.com/office/drawing/2014/main" id="{A8384FB5-9ADC-4DDC-881B-597D56F5B15D}"/>
-              </a:ext>
-              <a:ext uri="{C183D7F6-B498-43B3-948B-1728B52AA6E4}">
-                <adec:decorative xmlns:adec="http://schemas.microsoft.com/office/drawing/2017/decorative" val="1"/>
-              </a:ext>
-            </a:extLst>
-          </p:cNvPr>
+          <p:cNvPr id="74" name="Rectangle 73"/>
           <p:cNvSpPr>
             <a:spLocks noGrp="1" noRot="1" noChangeAspect="1" noMove="1" noResize="1" noEditPoints="1" noAdjustHandles="1" noChangeArrowheads="1" noChangeShapeType="1" noTextEdit="1"/>
           </p:cNvSpPr>
-          <p:nvPr>
-            <p:extLst>
-              <p:ext uri="{386F3935-93C4-4BCD-93E2-E3B085C9AB24}">
-                <p16:designElem xmlns:p16="http://schemas.microsoft.com/office/powerpoint/2015/main" val="1"/>
-              </p:ext>
-            </p:extLst>
-          </p:nvPr>
+          <p:nvPr/>
         </p:nvSpPr>
         <p:spPr>
           <a:xfrm>
@@ -5152,7 +4886,7 @@
           <a:effectLst/>
           <a:extLst>
             <a:ext uri="{91240B29-F687-4F45-9708-019B960494DF}">
-              <a14:hiddenLine xmlns:a14="http://schemas.microsoft.com/office/drawing/2010/main" w="12700" cap="flat" cmpd="sng" algn="ctr">
+              <a14:hiddenLine xmlns:a14="http://schemas.microsoft.com/office/drawing/2010/main" w="12700">
                 <a:solidFill>
                   <a:schemeClr val="accent1">
                     <a:shade val="50000"/>
@@ -5160,6 +4894,8 @@
                 </a:solidFill>
                 <a:prstDash val="solid"/>
                 <a:miter lim="800000"/>
+                <a:headEnd/>
+                <a:tailEnd/>
               </a14:hiddenLine>
             </a:ext>
           </a:extLst>
@@ -5191,26 +4927,11 @@
       </p:sp>
       <p:sp>
         <p:nvSpPr>
-          <p:cNvPr id="76" name="Rectangle 75">
-            <a:extLst>
-              <a:ext uri="{FF2B5EF4-FFF2-40B4-BE49-F238E27FC236}">
-                <a16:creationId xmlns:a16="http://schemas.microsoft.com/office/drawing/2014/main" id="{91E5A9A7-95C6-4F4F-B00E-C82E07FE62EF}"/>
-              </a:ext>
-              <a:ext uri="{C183D7F6-B498-43B3-948B-1728B52AA6E4}">
-                <adec:decorative xmlns:adec="http://schemas.microsoft.com/office/drawing/2017/decorative" val="1"/>
-              </a:ext>
-            </a:extLst>
-          </p:cNvPr>
+          <p:cNvPr id="76" name="Rectangle 75"/>
           <p:cNvSpPr>
             <a:spLocks noGrp="1" noRot="1" noChangeAspect="1" noMove="1" noResize="1" noEditPoints="1" noAdjustHandles="1" noChangeArrowheads="1" noChangeShapeType="1" noTextEdit="1"/>
           </p:cNvSpPr>
-          <p:nvPr>
-            <p:extLst>
-              <p:ext uri="{386F3935-93C4-4BCD-93E2-E3B085C9AB24}">
-                <p16:designElem xmlns:p16="http://schemas.microsoft.com/office/powerpoint/2015/main" val="1"/>
-              </p:ext>
-            </p:extLst>
-          </p:nvPr>
+          <p:nvPr/>
         </p:nvSpPr>
         <p:spPr>
           <a:xfrm rot="5400000" flipH="1">
@@ -5264,26 +4985,11 @@
       </p:sp>
       <p:sp>
         <p:nvSpPr>
-          <p:cNvPr id="78" name="Rectangle 77">
-            <a:extLst>
-              <a:ext uri="{FF2B5EF4-FFF2-40B4-BE49-F238E27FC236}">
-                <a16:creationId xmlns:a16="http://schemas.microsoft.com/office/drawing/2014/main" id="{D07DD2DE-F619-49DD-B5E7-03A290FF4ED1}"/>
-              </a:ext>
-              <a:ext uri="{C183D7F6-B498-43B3-948B-1728B52AA6E4}">
-                <adec:decorative xmlns:adec="http://schemas.microsoft.com/office/drawing/2017/decorative" val="1"/>
-              </a:ext>
-            </a:extLst>
-          </p:cNvPr>
+          <p:cNvPr id="78" name="Rectangle 77"/>
           <p:cNvSpPr>
             <a:spLocks noGrp="1" noRot="1" noChangeAspect="1" noMove="1" noResize="1" noEditPoints="1" noAdjustHandles="1" noChangeArrowheads="1" noChangeShapeType="1" noTextEdit="1"/>
           </p:cNvSpPr>
-          <p:nvPr>
-            <p:extLst>
-              <p:ext uri="{386F3935-93C4-4BCD-93E2-E3B085C9AB24}">
-                <p16:designElem xmlns:p16="http://schemas.microsoft.com/office/powerpoint/2015/main" val="1"/>
-              </p:ext>
-            </p:extLst>
-          </p:nvPr>
+          <p:nvPr/>
         </p:nvSpPr>
         <p:spPr>
           <a:xfrm rot="16200000">
@@ -5340,26 +5046,11 @@
       </p:sp>
       <p:sp>
         <p:nvSpPr>
-          <p:cNvPr id="80" name="Rectangle 79">
-            <a:extLst>
-              <a:ext uri="{FF2B5EF4-FFF2-40B4-BE49-F238E27FC236}">
-                <a16:creationId xmlns:a16="http://schemas.microsoft.com/office/drawing/2014/main" id="{85149191-5F60-4A28-AAFF-039F96B0F3EC}"/>
-              </a:ext>
-              <a:ext uri="{C183D7F6-B498-43B3-948B-1728B52AA6E4}">
-                <adec:decorative xmlns:adec="http://schemas.microsoft.com/office/drawing/2017/decorative" val="1"/>
-              </a:ext>
-            </a:extLst>
-          </p:cNvPr>
+          <p:cNvPr id="80" name="Rectangle 79"/>
           <p:cNvSpPr>
             <a:spLocks noGrp="1" noRot="1" noChangeAspect="1" noMove="1" noResize="1" noEditPoints="1" noAdjustHandles="1" noChangeArrowheads="1" noChangeShapeType="1" noTextEdit="1"/>
           </p:cNvSpPr>
-          <p:nvPr>
-            <p:extLst>
-              <p:ext uri="{386F3935-93C4-4BCD-93E2-E3B085C9AB24}">
-                <p16:designElem xmlns:p16="http://schemas.microsoft.com/office/powerpoint/2015/main" val="1"/>
-              </p:ext>
-            </p:extLst>
-          </p:nvPr>
+          <p:nvPr/>
         </p:nvSpPr>
         <p:spPr>
           <a:xfrm rot="16200000" flipH="1">
@@ -5415,26 +5106,11 @@
       </p:sp>
       <p:sp>
         <p:nvSpPr>
-          <p:cNvPr id="82" name="Freeform: Shape 81">
-            <a:extLst>
-              <a:ext uri="{FF2B5EF4-FFF2-40B4-BE49-F238E27FC236}">
-                <a16:creationId xmlns:a16="http://schemas.microsoft.com/office/drawing/2014/main" id="{F8260ED5-17F7-4158-B241-D51DD4CF1B7E}"/>
-              </a:ext>
-              <a:ext uri="{C183D7F6-B498-43B3-948B-1728B52AA6E4}">
-                <adec:decorative xmlns:adec="http://schemas.microsoft.com/office/drawing/2017/decorative" val="1"/>
-              </a:ext>
-            </a:extLst>
-          </p:cNvPr>
+          <p:cNvPr id="82" name="Freeform: Shape 81"/>
           <p:cNvSpPr>
             <a:spLocks noGrp="1" noRot="1" noChangeAspect="1" noMove="1" noResize="1" noEditPoints="1" noAdjustHandles="1" noChangeArrowheads="1" noChangeShapeType="1" noTextEdit="1"/>
           </p:cNvSpPr>
-          <p:nvPr>
-            <p:extLst>
-              <p:ext uri="{386F3935-93C4-4BCD-93E2-E3B085C9AB24}">
-                <p16:designElem xmlns:p16="http://schemas.microsoft.com/office/powerpoint/2015/main" val="1"/>
-              </p:ext>
-            </p:extLst>
-          </p:nvPr>
+          <p:nvPr/>
         </p:nvSpPr>
         <p:spPr>
           <a:xfrm rot="6097846">
@@ -5588,13 +5264,7 @@
       </p:sp>
       <p:sp>
         <p:nvSpPr>
-          <p:cNvPr id="2" name="Title 1">
-            <a:extLst>
-              <a:ext uri="{FF2B5EF4-FFF2-40B4-BE49-F238E27FC236}">
-                <a16:creationId xmlns:a16="http://schemas.microsoft.com/office/drawing/2014/main" id="{FF66FA94-C9F3-BE3C-4A03-76F5E1681255}"/>
-              </a:ext>
-            </a:extLst>
-          </p:cNvPr>
+          <p:cNvPr id="2" name="Title 1"/>
           <p:cNvSpPr>
             <a:spLocks noGrp="1"/>
           </p:cNvSpPr>
@@ -5625,25 +5295,27 @@
               </a:rPr>
               <a:t>Schéma zapojenia:</a:t>
             </a:r>
+            <a:endParaRPr lang="en-US" sz="4000" kern="1200">
+              <a:solidFill>
+                <a:srgbClr val="FFFFFF"/>
+              </a:solidFill>
+              <a:latin typeface="+mj-lt"/>
+              <a:ea typeface="+mj-ea"/>
+              <a:cs typeface="+mj-cs"/>
+            </a:endParaRPr>
           </a:p>
         </p:txBody>
       </p:sp>
       <p:pic>
         <p:nvPicPr>
-          <p:cNvPr id="19" name="Picture 18" descr="A diagram of a circuit board&#10;&#10;AI-generated content may be incorrect.">
-            <a:extLst>
-              <a:ext uri="{FF2B5EF4-FFF2-40B4-BE49-F238E27FC236}">
-                <a16:creationId xmlns:a16="http://schemas.microsoft.com/office/drawing/2014/main" id="{F48A9C9C-80FA-CEF4-9828-C5C4B5C15C9A}"/>
-              </a:ext>
-            </a:extLst>
-          </p:cNvPr>
+          <p:cNvPr id="19" name="Picture 18" descr="A diagram of a circuit board&#10;&#10;AI-generated content may be incorrect."/>
           <p:cNvPicPr>
             <a:picLocks noChangeAspect="1"/>
           </p:cNvPicPr>
           <p:nvPr/>
         </p:nvPicPr>
         <p:blipFill>
-          <a:blip r:embed="rId2"/>
+          <a:blip r:embed="rId1"/>
           <a:stretch>
             <a:fillRect/>
           </a:stretch>
@@ -5659,11 +5331,6 @@
         </p:spPr>
       </p:pic>
     </p:spTree>
-    <p:extLst>
-      <p:ext uri="{BB962C8B-B14F-4D97-AF65-F5344CB8AC3E}">
-        <p14:creationId xmlns:p14="http://schemas.microsoft.com/office/powerpoint/2010/main" val="3487203436"/>
-      </p:ext>
-    </p:extLst>
   </p:cSld>
   <p:clrMapOvr>
     <a:masterClrMapping/>
@@ -5698,26 +5365,11 @@
       </p:grpSpPr>
       <p:sp useBgFill="1">
         <p:nvSpPr>
-          <p:cNvPr id="27" name="Rectangle 26">
-            <a:extLst>
-              <a:ext uri="{FF2B5EF4-FFF2-40B4-BE49-F238E27FC236}">
-                <a16:creationId xmlns:a16="http://schemas.microsoft.com/office/drawing/2014/main" id="{A8384FB5-9ADC-4DDC-881B-597D56F5B15D}"/>
-              </a:ext>
-              <a:ext uri="{C183D7F6-B498-43B3-948B-1728B52AA6E4}">
-                <adec:decorative xmlns:adec="http://schemas.microsoft.com/office/drawing/2017/decorative" val="1"/>
-              </a:ext>
-            </a:extLst>
-          </p:cNvPr>
+          <p:cNvPr id="27" name="Rectangle 26"/>
           <p:cNvSpPr>
             <a:spLocks noGrp="1" noRot="1" noChangeAspect="1" noMove="1" noResize="1" noEditPoints="1" noAdjustHandles="1" noChangeArrowheads="1" noChangeShapeType="1" noTextEdit="1"/>
           </p:cNvSpPr>
-          <p:nvPr>
-            <p:extLst>
-              <p:ext uri="{386F3935-93C4-4BCD-93E2-E3B085C9AB24}">
-                <p16:designElem xmlns:p16="http://schemas.microsoft.com/office/powerpoint/2015/main" val="1"/>
-              </p:ext>
-            </p:extLst>
-          </p:nvPr>
+          <p:nvPr/>
         </p:nvSpPr>
         <p:spPr>
           <a:xfrm>
@@ -5735,7 +5387,7 @@
           <a:effectLst/>
           <a:extLst>
             <a:ext uri="{91240B29-F687-4F45-9708-019B960494DF}">
-              <a14:hiddenLine xmlns:a14="http://schemas.microsoft.com/office/drawing/2010/main" w="12700" cap="flat" cmpd="sng" algn="ctr">
+              <a14:hiddenLine xmlns:a14="http://schemas.microsoft.com/office/drawing/2010/main" w="12700">
                 <a:solidFill>
                   <a:schemeClr val="accent1">
                     <a:shade val="50000"/>
@@ -5743,6 +5395,8 @@
                 </a:solidFill>
                 <a:prstDash val="solid"/>
                 <a:miter lim="800000"/>
+                <a:headEnd/>
+                <a:tailEnd/>
               </a14:hiddenLine>
             </a:ext>
           </a:extLst>
@@ -5774,26 +5428,11 @@
       </p:sp>
       <p:sp>
         <p:nvSpPr>
-          <p:cNvPr id="29" name="Rectangle 28">
-            <a:extLst>
-              <a:ext uri="{FF2B5EF4-FFF2-40B4-BE49-F238E27FC236}">
-                <a16:creationId xmlns:a16="http://schemas.microsoft.com/office/drawing/2014/main" id="{1199E1B1-A8C0-4FE8-A5A8-1CB41D69F857}"/>
-              </a:ext>
-              <a:ext uri="{C183D7F6-B498-43B3-948B-1728B52AA6E4}">
-                <adec:decorative xmlns:adec="http://schemas.microsoft.com/office/drawing/2017/decorative" val="1"/>
-              </a:ext>
-            </a:extLst>
-          </p:cNvPr>
+          <p:cNvPr id="29" name="Rectangle 28"/>
           <p:cNvSpPr>
             <a:spLocks noGrp="1" noRot="1" noChangeAspect="1" noMove="1" noResize="1" noEditPoints="1" noAdjustHandles="1" noChangeArrowheads="1" noChangeShapeType="1" noTextEdit="1"/>
           </p:cNvSpPr>
-          <p:nvPr>
-            <p:extLst>
-              <p:ext uri="{386F3935-93C4-4BCD-93E2-E3B085C9AB24}">
-                <p16:designElem xmlns:p16="http://schemas.microsoft.com/office/powerpoint/2015/main" val="1"/>
-              </p:ext>
-            </p:extLst>
-          </p:nvPr>
+          <p:nvPr/>
         </p:nvSpPr>
         <p:spPr>
           <a:xfrm rot="10800000" flipH="1">
@@ -5849,26 +5488,11 @@
       </p:sp>
       <p:sp>
         <p:nvSpPr>
-          <p:cNvPr id="24" name="Rectangle 23">
-            <a:extLst>
-              <a:ext uri="{FF2B5EF4-FFF2-40B4-BE49-F238E27FC236}">
-                <a16:creationId xmlns:a16="http://schemas.microsoft.com/office/drawing/2014/main" id="{84A8DE83-DE75-4B41-9DB4-A7EC0B0DEC0B}"/>
-              </a:ext>
-              <a:ext uri="{C183D7F6-B498-43B3-948B-1728B52AA6E4}">
-                <adec:decorative xmlns:adec="http://schemas.microsoft.com/office/drawing/2017/decorative" val="1"/>
-              </a:ext>
-            </a:extLst>
-          </p:cNvPr>
+          <p:cNvPr id="24" name="Rectangle 23"/>
           <p:cNvSpPr>
             <a:spLocks noGrp="1" noRot="1" noChangeAspect="1" noMove="1" noResize="1" noEditPoints="1" noAdjustHandles="1" noChangeArrowheads="1" noChangeShapeType="1" noTextEdit="1"/>
           </p:cNvSpPr>
-          <p:nvPr>
-            <p:extLst>
-              <p:ext uri="{386F3935-93C4-4BCD-93E2-E3B085C9AB24}">
-                <p16:designElem xmlns:p16="http://schemas.microsoft.com/office/powerpoint/2015/main" val="1"/>
-              </p:ext>
-            </p:extLst>
-          </p:nvPr>
+          <p:nvPr/>
         </p:nvSpPr>
         <p:spPr>
           <a:xfrm>
@@ -5926,26 +5550,11 @@
       </p:sp>
       <p:sp>
         <p:nvSpPr>
-          <p:cNvPr id="33" name="Rectangle 32">
-            <a:extLst>
-              <a:ext uri="{FF2B5EF4-FFF2-40B4-BE49-F238E27FC236}">
-                <a16:creationId xmlns:a16="http://schemas.microsoft.com/office/drawing/2014/main" id="{A7009A0A-BEF5-4EAC-AF15-E4F9F002E239}"/>
-              </a:ext>
-              <a:ext uri="{C183D7F6-B498-43B3-948B-1728B52AA6E4}">
-                <adec:decorative xmlns:adec="http://schemas.microsoft.com/office/drawing/2017/decorative" val="1"/>
-              </a:ext>
-            </a:extLst>
-          </p:cNvPr>
+          <p:cNvPr id="33" name="Rectangle 32"/>
           <p:cNvSpPr>
             <a:spLocks noGrp="1" noRot="1" noChangeAspect="1" noMove="1" noResize="1" noEditPoints="1" noAdjustHandles="1" noChangeArrowheads="1" noChangeShapeType="1" noTextEdit="1"/>
           </p:cNvSpPr>
-          <p:nvPr>
-            <p:extLst>
-              <p:ext uri="{386F3935-93C4-4BCD-93E2-E3B085C9AB24}">
-                <p16:designElem xmlns:p16="http://schemas.microsoft.com/office/powerpoint/2015/main" val="1"/>
-              </p:ext>
-            </p:extLst>
-          </p:nvPr>
+          <p:nvPr/>
         </p:nvSpPr>
         <p:spPr>
           <a:xfrm flipH="1">
@@ -6001,13 +5610,7 @@
       </p:sp>
       <p:sp>
         <p:nvSpPr>
-          <p:cNvPr id="2" name="Title 1">
-            <a:extLst>
-              <a:ext uri="{FF2B5EF4-FFF2-40B4-BE49-F238E27FC236}">
-                <a16:creationId xmlns:a16="http://schemas.microsoft.com/office/drawing/2014/main" id="{801D2F90-4330-F431-B707-C5044FC3F449}"/>
-              </a:ext>
-            </a:extLst>
-          </p:cNvPr>
+          <p:cNvPr id="2" name="Title 1"/>
           <p:cNvSpPr>
             <a:spLocks noGrp="1"/>
           </p:cNvSpPr>
@@ -6038,25 +5641,27 @@
               </a:rPr>
               <a:t>Implementácia knižnice ST7789V</a:t>
             </a:r>
+            <a:endParaRPr lang="en-US" sz="3700" kern="1200" dirty="0">
+              <a:solidFill>
+                <a:srgbClr val="FFFFFF"/>
+              </a:solidFill>
+              <a:latin typeface="+mj-lt"/>
+              <a:ea typeface="+mj-ea"/>
+              <a:cs typeface="+mj-cs"/>
+            </a:endParaRPr>
           </a:p>
         </p:txBody>
       </p:sp>
       <p:pic>
         <p:nvPicPr>
-          <p:cNvPr id="22" name="Picture 21" descr="A computer code on a black background&#10;&#10;AI-generated content may be incorrect.">
-            <a:extLst>
-              <a:ext uri="{FF2B5EF4-FFF2-40B4-BE49-F238E27FC236}">
-                <a16:creationId xmlns:a16="http://schemas.microsoft.com/office/drawing/2014/main" id="{A1CAF0D0-4F71-1828-5B67-0F0ACB016C01}"/>
-              </a:ext>
-            </a:extLst>
-          </p:cNvPr>
+          <p:cNvPr id="22" name="Picture 21" descr="A computer code on a black background&#10;&#10;AI-generated content may be incorrect."/>
           <p:cNvPicPr>
             <a:picLocks noChangeAspect="1"/>
           </p:cNvPicPr>
           <p:nvPr/>
         </p:nvPicPr>
         <p:blipFill>
-          <a:blip r:embed="rId2"/>
+          <a:blip r:embed="rId1"/>
           <a:stretch>
             <a:fillRect/>
           </a:stretch>
@@ -6072,11 +5677,6 @@
         </p:spPr>
       </p:pic>
     </p:spTree>
-    <p:extLst>
-      <p:ext uri="{BB962C8B-B14F-4D97-AF65-F5344CB8AC3E}">
-        <p14:creationId xmlns:p14="http://schemas.microsoft.com/office/powerpoint/2010/main" val="3126316639"/>
-      </p:ext>
-    </p:extLst>
   </p:cSld>
   <p:clrMapOvr>
     <a:masterClrMapping/>
@@ -6111,13 +5711,31 @@
       </p:grpSpPr>
       <p:pic>
         <p:nvPicPr>
-          <p:cNvPr id="8" name="Picture 7" descr="A screen shot of a computer code&#10;&#10;AI-generated content may be incorrect.">
-            <a:extLst>
-              <a:ext uri="{FF2B5EF4-FFF2-40B4-BE49-F238E27FC236}">
-                <a16:creationId xmlns:a16="http://schemas.microsoft.com/office/drawing/2014/main" id="{472BF118-1685-F841-04CB-45F283EAA017}"/>
-              </a:ext>
-            </a:extLst>
-          </p:cNvPr>
+          <p:cNvPr id="8" name="Picture 7" descr="A screen shot of a computer code&#10;&#10;AI-generated content may be incorrect."/>
+          <p:cNvPicPr>
+            <a:picLocks noChangeAspect="1"/>
+          </p:cNvPicPr>
+          <p:nvPr/>
+        </p:nvPicPr>
+        <p:blipFill>
+          <a:blip r:embed="rId1"/>
+          <a:stretch>
+            <a:fillRect/>
+          </a:stretch>
+        </p:blipFill>
+        <p:spPr>
+          <a:xfrm>
+            <a:off x="457202" y="583592"/>
+            <a:ext cx="5426764" cy="2381453"/>
+          </a:xfrm>
+          <a:prstGeom prst="rect">
+            <a:avLst/>
+          </a:prstGeom>
+        </p:spPr>
+      </p:pic>
+      <p:pic>
+        <p:nvPicPr>
+          <p:cNvPr id="7" name="Picture 6" descr="A screenshot of a computer code&#10;&#10;AI-generated content may be incorrect."/>
           <p:cNvPicPr>
             <a:picLocks noChangeAspect="1"/>
           </p:cNvPicPr>
@@ -6131,66 +5749,21 @@
         </p:blipFill>
         <p:spPr>
           <a:xfrm>
-            <a:off x="457202" y="583592"/>
-            <a:ext cx="5426764" cy="2381453"/>
+            <a:off x="457201" y="3928377"/>
+            <a:ext cx="5426764" cy="2165997"/>
           </a:xfrm>
           <a:prstGeom prst="rect">
             <a:avLst/>
           </a:prstGeom>
         </p:spPr>
       </p:pic>
-      <p:pic>
-        <p:nvPicPr>
-          <p:cNvPr id="7" name="Picture 6" descr="A screenshot of a computer code&#10;&#10;AI-generated content may be incorrect.">
-            <a:extLst>
-              <a:ext uri="{FF2B5EF4-FFF2-40B4-BE49-F238E27FC236}">
-                <a16:creationId xmlns:a16="http://schemas.microsoft.com/office/drawing/2014/main" id="{677F9E3A-5CF3-47A4-AF29-086C9AC3B120}"/>
-              </a:ext>
-            </a:extLst>
-          </p:cNvPr>
-          <p:cNvPicPr>
-            <a:picLocks noChangeAspect="1"/>
-          </p:cNvPicPr>
+      <p:sp>
+        <p:nvSpPr>
+          <p:cNvPr id="32" name="Rectangle 31"/>
+          <p:cNvSpPr>
+            <a:spLocks noGrp="1" noRot="1" noChangeAspect="1" noMove="1" noResize="1" noEditPoints="1" noAdjustHandles="1" noChangeArrowheads="1" noChangeShapeType="1" noTextEdit="1"/>
+          </p:cNvSpPr>
           <p:nvPr/>
-        </p:nvPicPr>
-        <p:blipFill>
-          <a:blip r:embed="rId3"/>
-          <a:stretch>
-            <a:fillRect/>
-          </a:stretch>
-        </p:blipFill>
-        <p:spPr>
-          <a:xfrm>
-            <a:off x="457201" y="3928377"/>
-            <a:ext cx="5426764" cy="2165997"/>
-          </a:xfrm>
-          <a:prstGeom prst="rect">
-            <a:avLst/>
-          </a:prstGeom>
-        </p:spPr>
-      </p:pic>
-      <p:sp>
-        <p:nvSpPr>
-          <p:cNvPr id="32" name="Rectangle 31">
-            <a:extLst>
-              <a:ext uri="{FF2B5EF4-FFF2-40B4-BE49-F238E27FC236}">
-                <a16:creationId xmlns:a16="http://schemas.microsoft.com/office/drawing/2014/main" id="{799448F2-0E5B-42DA-B2D1-11A14E947BD4}"/>
-              </a:ext>
-              <a:ext uri="{C183D7F6-B498-43B3-948B-1728B52AA6E4}">
-                <adec:decorative xmlns:adec="http://schemas.microsoft.com/office/drawing/2017/decorative" val="1"/>
-              </a:ext>
-            </a:extLst>
-          </p:cNvPr>
-          <p:cNvSpPr>
-            <a:spLocks noGrp="1" noRot="1" noChangeAspect="1" noMove="1" noResize="1" noEditPoints="1" noAdjustHandles="1" noChangeArrowheads="1" noChangeShapeType="1" noTextEdit="1"/>
-          </p:cNvSpPr>
-          <p:nvPr>
-            <p:extLst>
-              <p:ext uri="{386F3935-93C4-4BCD-93E2-E3B085C9AB24}">
-                <p16:designElem xmlns:p16="http://schemas.microsoft.com/office/powerpoint/2015/main" val="1"/>
-              </p:ext>
-            </p:extLst>
-          </p:nvPr>
         </p:nvSpPr>
         <p:spPr>
           <a:xfrm>
@@ -6237,26 +5810,11 @@
       </p:sp>
       <p:sp>
         <p:nvSpPr>
-          <p:cNvPr id="34" name="Rectangle 33">
-            <a:extLst>
-              <a:ext uri="{FF2B5EF4-FFF2-40B4-BE49-F238E27FC236}">
-                <a16:creationId xmlns:a16="http://schemas.microsoft.com/office/drawing/2014/main" id="{4E8A7552-20E1-4F34-ADAB-C1DB6634D47E}"/>
-              </a:ext>
-              <a:ext uri="{C183D7F6-B498-43B3-948B-1728B52AA6E4}">
-                <adec:decorative xmlns:adec="http://schemas.microsoft.com/office/drawing/2017/decorative" val="1"/>
-              </a:ext>
-            </a:extLst>
-          </p:cNvPr>
+          <p:cNvPr id="34" name="Rectangle 33"/>
           <p:cNvSpPr>
             <a:spLocks noGrp="1" noRot="1" noChangeAspect="1" noMove="1" noResize="1" noEditPoints="1" noAdjustHandles="1" noChangeArrowheads="1" noChangeShapeType="1" noTextEdit="1"/>
           </p:cNvSpPr>
-          <p:nvPr>
-            <p:extLst>
-              <p:ext uri="{386F3935-93C4-4BCD-93E2-E3B085C9AB24}">
-                <p16:designElem xmlns:p16="http://schemas.microsoft.com/office/powerpoint/2015/main" val="1"/>
-              </p:ext>
-            </p:extLst>
-          </p:nvPr>
+          <p:nvPr/>
         </p:nvSpPr>
         <p:spPr>
           <a:xfrm>
@@ -6303,20 +5861,14 @@
       </p:sp>
       <p:pic>
         <p:nvPicPr>
-          <p:cNvPr id="5" name="Picture 4" descr="A screen shot of a computer code&#10;&#10;AI-generated content may be incorrect.">
-            <a:extLst>
-              <a:ext uri="{FF2B5EF4-FFF2-40B4-BE49-F238E27FC236}">
-                <a16:creationId xmlns:a16="http://schemas.microsoft.com/office/drawing/2014/main" id="{CF8358DA-C0BE-474E-84A4-E85179142827}"/>
-              </a:ext>
-            </a:extLst>
-          </p:cNvPr>
+          <p:cNvPr id="5" name="Picture 4" descr="A screen shot of a computer code&#10;&#10;AI-generated content may be incorrect."/>
           <p:cNvPicPr>
             <a:picLocks noChangeAspect="1"/>
           </p:cNvPicPr>
           <p:nvPr/>
         </p:nvPicPr>
         <p:blipFill>
-          <a:blip r:embed="rId4"/>
+          <a:blip r:embed="rId3"/>
           <a:stretch>
             <a:fillRect/>
           </a:stretch>
@@ -6332,11 +5884,6 @@
         </p:spPr>
       </p:pic>
     </p:spTree>
-    <p:extLst>
-      <p:ext uri="{BB962C8B-B14F-4D97-AF65-F5344CB8AC3E}">
-        <p14:creationId xmlns:p14="http://schemas.microsoft.com/office/powerpoint/2010/main" val="3763979575"/>
-      </p:ext>
-    </p:extLst>
   </p:cSld>
   <p:clrMapOvr>
     <a:masterClrMapping/>
@@ -6371,26 +5918,11 @@
       </p:grpSpPr>
       <p:sp useBgFill="1">
         <p:nvSpPr>
-          <p:cNvPr id="7" name="Rectangle 6">
-            <a:extLst>
-              <a:ext uri="{FF2B5EF4-FFF2-40B4-BE49-F238E27FC236}">
-                <a16:creationId xmlns:a16="http://schemas.microsoft.com/office/drawing/2014/main" id="{0E30439A-8A5B-46EC-8283-9B6B031D40D0}"/>
-              </a:ext>
-              <a:ext uri="{C183D7F6-B498-43B3-948B-1728B52AA6E4}">
-                <adec:decorative xmlns:adec="http://schemas.microsoft.com/office/drawing/2017/decorative" val="1"/>
-              </a:ext>
-            </a:extLst>
-          </p:cNvPr>
+          <p:cNvPr id="7" name="Rectangle 6"/>
           <p:cNvSpPr>
             <a:spLocks noGrp="1" noRot="1" noChangeAspect="1" noMove="1" noResize="1" noEditPoints="1" noAdjustHandles="1" noChangeArrowheads="1" noChangeShapeType="1" noTextEdit="1"/>
           </p:cNvSpPr>
-          <p:nvPr>
-            <p:extLst>
-              <p:ext uri="{386F3935-93C4-4BCD-93E2-E3B085C9AB24}">
-                <p16:designElem xmlns:p16="http://schemas.microsoft.com/office/powerpoint/2015/main" val="1"/>
-              </p:ext>
-            </p:extLst>
-          </p:nvPr>
+          <p:nvPr/>
         </p:nvSpPr>
         <p:spPr>
           <a:xfrm>
@@ -6408,7 +5940,7 @@
           <a:effectLst/>
           <a:extLst>
             <a:ext uri="{91240B29-F687-4F45-9708-019B960494DF}">
-              <a14:hiddenLine xmlns:a14="http://schemas.microsoft.com/office/drawing/2010/main" w="12700" cap="flat" cmpd="sng" algn="ctr">
+              <a14:hiddenLine xmlns:a14="http://schemas.microsoft.com/office/drawing/2010/main" w="12700">
                 <a:solidFill>
                   <a:schemeClr val="accent1">
                     <a:shade val="50000"/>
@@ -6416,6 +5948,8 @@
                 </a:solidFill>
                 <a:prstDash val="solid"/>
                 <a:miter lim="800000"/>
+                <a:headEnd/>
+                <a:tailEnd/>
               </a14:hiddenLine>
             </a:ext>
           </a:extLst>
@@ -6447,26 +5981,11 @@
       </p:sp>
       <p:sp>
         <p:nvSpPr>
-          <p:cNvPr id="9" name="Rectangle 8">
-            <a:extLst>
-              <a:ext uri="{FF2B5EF4-FFF2-40B4-BE49-F238E27FC236}">
-                <a16:creationId xmlns:a16="http://schemas.microsoft.com/office/drawing/2014/main" id="{5CEAD642-85CF-4750-8432-7C80C901F001}"/>
-              </a:ext>
-              <a:ext uri="{C183D7F6-B498-43B3-948B-1728B52AA6E4}">
-                <adec:decorative xmlns:adec="http://schemas.microsoft.com/office/drawing/2017/decorative" val="1"/>
-              </a:ext>
-            </a:extLst>
-          </p:cNvPr>
+          <p:cNvPr id="9" name="Rectangle 8"/>
           <p:cNvSpPr>
             <a:spLocks noGrp="1" noRot="1" noChangeAspect="1" noMove="1" noResize="1" noEditPoints="1" noAdjustHandles="1" noChangeArrowheads="1" noChangeShapeType="1" noTextEdit="1"/>
           </p:cNvSpPr>
-          <p:nvPr>
-            <p:extLst>
-              <p:ext uri="{386F3935-93C4-4BCD-93E2-E3B085C9AB24}">
-                <p16:designElem xmlns:p16="http://schemas.microsoft.com/office/powerpoint/2015/main" val="1"/>
-              </p:ext>
-            </p:extLst>
-          </p:nvPr>
+          <p:nvPr/>
         </p:nvSpPr>
         <p:spPr>
           <a:xfrm>
@@ -6520,26 +6039,11 @@
       </p:sp>
       <p:sp>
         <p:nvSpPr>
-          <p:cNvPr id="11" name="Rectangle 10">
-            <a:extLst>
-              <a:ext uri="{FF2B5EF4-FFF2-40B4-BE49-F238E27FC236}">
-                <a16:creationId xmlns:a16="http://schemas.microsoft.com/office/drawing/2014/main" id="{FA33EEAE-15D5-4119-8C1E-89D943F911EF}"/>
-              </a:ext>
-              <a:ext uri="{C183D7F6-B498-43B3-948B-1728B52AA6E4}">
-                <adec:decorative xmlns:adec="http://schemas.microsoft.com/office/drawing/2017/decorative" val="1"/>
-              </a:ext>
-            </a:extLst>
-          </p:cNvPr>
+          <p:cNvPr id="11" name="Rectangle 10"/>
           <p:cNvSpPr>
             <a:spLocks noGrp="1" noRot="1" noChangeAspect="1" noMove="1" noResize="1" noEditPoints="1" noAdjustHandles="1" noChangeArrowheads="1" noChangeShapeType="1" noTextEdit="1"/>
           </p:cNvSpPr>
-          <p:nvPr>
-            <p:extLst>
-              <p:ext uri="{386F3935-93C4-4BCD-93E2-E3B085C9AB24}">
-                <p16:designElem xmlns:p16="http://schemas.microsoft.com/office/powerpoint/2015/main" val="1"/>
-              </p:ext>
-            </p:extLst>
-          </p:nvPr>
+          <p:nvPr/>
         </p:nvSpPr>
         <p:spPr>
           <a:xfrm rot="10800000" flipH="1">
@@ -6596,26 +6100,11 @@
       </p:sp>
       <p:sp>
         <p:nvSpPr>
-          <p:cNvPr id="13" name="Rectangle 12">
-            <a:extLst>
-              <a:ext uri="{FF2B5EF4-FFF2-40B4-BE49-F238E27FC236}">
-                <a16:creationId xmlns:a16="http://schemas.microsoft.com/office/drawing/2014/main" id="{730D8B3B-9B80-4025-B934-26DC7D7CD231}"/>
-              </a:ext>
-              <a:ext uri="{C183D7F6-B498-43B3-948B-1728B52AA6E4}">
-                <adec:decorative xmlns:adec="http://schemas.microsoft.com/office/drawing/2017/decorative" val="1"/>
-              </a:ext>
-            </a:extLst>
-          </p:cNvPr>
+          <p:cNvPr id="13" name="Rectangle 12"/>
           <p:cNvSpPr>
             <a:spLocks noGrp="1" noRot="1" noChangeAspect="1" noMove="1" noResize="1" noEditPoints="1" noAdjustHandles="1" noChangeArrowheads="1" noChangeShapeType="1" noTextEdit="1"/>
           </p:cNvSpPr>
-          <p:nvPr>
-            <p:extLst>
-              <p:ext uri="{386F3935-93C4-4BCD-93E2-E3B085C9AB24}">
-                <p16:designElem xmlns:p16="http://schemas.microsoft.com/office/powerpoint/2015/main" val="1"/>
-              </p:ext>
-            </p:extLst>
-          </p:nvPr>
+          <p:nvPr/>
         </p:nvSpPr>
         <p:spPr>
           <a:xfrm>
@@ -6672,26 +6161,11 @@
       </p:sp>
       <p:sp>
         <p:nvSpPr>
-          <p:cNvPr id="15" name="Oval 14">
-            <a:extLst>
-              <a:ext uri="{FF2B5EF4-FFF2-40B4-BE49-F238E27FC236}">
-                <a16:creationId xmlns:a16="http://schemas.microsoft.com/office/drawing/2014/main" id="{B5A1B09C-1565-46F8-B70F-621C5EB48A09}"/>
-              </a:ext>
-              <a:ext uri="{C183D7F6-B498-43B3-948B-1728B52AA6E4}">
-                <adec:decorative xmlns:adec="http://schemas.microsoft.com/office/drawing/2017/decorative" val="1"/>
-              </a:ext>
-            </a:extLst>
-          </p:cNvPr>
+          <p:cNvPr id="15" name="Oval 14"/>
           <p:cNvSpPr>
             <a:spLocks noGrp="1" noRot="1" noChangeAspect="1" noMove="1" noResize="1" noEditPoints="1" noAdjustHandles="1" noChangeArrowheads="1" noChangeShapeType="1" noTextEdit="1"/>
           </p:cNvSpPr>
-          <p:nvPr>
-            <p:extLst>
-              <p:ext uri="{386F3935-93C4-4BCD-93E2-E3B085C9AB24}">
-                <p16:designElem xmlns:p16="http://schemas.microsoft.com/office/powerpoint/2015/main" val="1"/>
-              </p:ext>
-            </p:extLst>
-          </p:nvPr>
+          <p:nvPr/>
         </p:nvSpPr>
         <p:spPr>
           <a:xfrm rot="15274173">
@@ -6749,13 +6223,7 @@
       </p:sp>
       <p:sp>
         <p:nvSpPr>
-          <p:cNvPr id="2" name="Title 1">
-            <a:extLst>
-              <a:ext uri="{FF2B5EF4-FFF2-40B4-BE49-F238E27FC236}">
-                <a16:creationId xmlns:a16="http://schemas.microsoft.com/office/drawing/2014/main" id="{FE72FC26-2C9C-72A6-B4F3-5F0EA06AF519}"/>
-              </a:ext>
-            </a:extLst>
-          </p:cNvPr>
+          <p:cNvPr id="2" name="Title 1"/>
           <p:cNvSpPr>
             <a:spLocks noGrp="1"/>
           </p:cNvSpPr>
@@ -6827,26 +6295,11 @@
       </p:sp>
       <p:sp>
         <p:nvSpPr>
-          <p:cNvPr id="17" name="Rectangle 16">
-            <a:extLst>
-              <a:ext uri="{FF2B5EF4-FFF2-40B4-BE49-F238E27FC236}">
-                <a16:creationId xmlns:a16="http://schemas.microsoft.com/office/drawing/2014/main" id="{8C516CC8-80AC-446C-A56E-9F54B7210402}"/>
-              </a:ext>
-              <a:ext uri="{C183D7F6-B498-43B3-948B-1728B52AA6E4}">
-                <adec:decorative xmlns:adec="http://schemas.microsoft.com/office/drawing/2017/decorative" val="1"/>
-              </a:ext>
-            </a:extLst>
-          </p:cNvPr>
+          <p:cNvPr id="17" name="Rectangle 16"/>
           <p:cNvSpPr>
             <a:spLocks noGrp="1" noRot="1" noChangeAspect="1" noMove="1" noResize="1" noEditPoints="1" noAdjustHandles="1" noChangeArrowheads="1" noChangeShapeType="1" noTextEdit="1"/>
           </p:cNvSpPr>
-          <p:nvPr>
-            <p:extLst>
-              <p:ext uri="{386F3935-93C4-4BCD-93E2-E3B085C9AB24}">
-                <p16:designElem xmlns:p16="http://schemas.microsoft.com/office/powerpoint/2015/main" val="1"/>
-              </p:ext>
-            </p:extLst>
-          </p:nvPr>
+          <p:nvPr/>
         </p:nvSpPr>
         <p:spPr>
           <a:xfrm rot="10800000" flipH="1">
@@ -6903,26 +6356,11 @@
       </p:sp>
       <p:sp>
         <p:nvSpPr>
-          <p:cNvPr id="19" name="Rectangle 18">
-            <a:extLst>
-              <a:ext uri="{FF2B5EF4-FFF2-40B4-BE49-F238E27FC236}">
-                <a16:creationId xmlns:a16="http://schemas.microsoft.com/office/drawing/2014/main" id="{53947E58-F088-49F1-A3D1-DEA690192E84}"/>
-              </a:ext>
-              <a:ext uri="{C183D7F6-B498-43B3-948B-1728B52AA6E4}">
-                <adec:decorative xmlns:adec="http://schemas.microsoft.com/office/drawing/2017/decorative" val="1"/>
-              </a:ext>
-            </a:extLst>
-          </p:cNvPr>
+          <p:cNvPr id="19" name="Rectangle 18"/>
           <p:cNvSpPr>
             <a:spLocks noGrp="1" noRot="1" noChangeAspect="1" noMove="1" noResize="1" noEditPoints="1" noAdjustHandles="1" noChangeArrowheads="1" noChangeShapeType="1" noTextEdit="1"/>
           </p:cNvSpPr>
-          <p:nvPr>
-            <p:extLst>
-              <p:ext uri="{386F3935-93C4-4BCD-93E2-E3B085C9AB24}">
-                <p16:designElem xmlns:p16="http://schemas.microsoft.com/office/powerpoint/2015/main" val="1"/>
-              </p:ext>
-            </p:extLst>
-          </p:nvPr>
+          <p:nvPr/>
         </p:nvSpPr>
         <p:spPr>
           <a:xfrm rot="16200000" flipH="1">
@@ -6978,11 +6416,6 @@
         </p:txBody>
       </p:sp>
     </p:spTree>
-    <p:extLst>
-      <p:ext uri="{BB962C8B-B14F-4D97-AF65-F5344CB8AC3E}">
-        <p14:creationId xmlns:p14="http://schemas.microsoft.com/office/powerpoint/2010/main" val="1285222647"/>
-      </p:ext>
-    </p:extLst>
   </p:cSld>
   <p:clrMapOvr>
     <a:masterClrMapping/>
@@ -7033,7 +6466,7 @@
     </a:clrScheme>
     <a:fontScheme name="Office Theme">
       <a:majorFont>
-        <a:latin typeface="Aptos Display" panose="020F0302020204030204"/>
+        <a:latin typeface="Aptos Display"/>
         <a:ea typeface=""/>
         <a:cs typeface=""/>
         <a:font script="Jpan" typeface="ＭＳ Ｐゴシック"/>
@@ -7068,7 +6501,7 @@
         <a:font script="Geor" typeface="Sylfaen"/>
       </a:majorFont>
       <a:minorFont>
-        <a:latin typeface="Aptos" panose="020B0004020202020204"/>
+        <a:latin typeface="Aptos"/>
         <a:ea typeface=""/>
         <a:cs typeface=""/>
         <a:font script="Jpan" typeface="ＭＳ Ｐゴシック"/>
@@ -7262,10 +6695,9 @@
       </a:style>
     </a:lnDef>
   </a:objectDefaults>
-  <a:extraClrSchemeLst/>
   <a:extLst>
     <a:ext uri="{05A4C25C-085E-4340-85A3-A5531E510DB2}">
-      <thm15:themeFamily xmlns:thm15="http://schemas.microsoft.com/office/thememl/2012/main" name="Office Theme" id="{2E142A2C-CD16-42D6-873A-C26D2A0506FA}" vid="{1BDDFF52-6CD6-40A5-AB3C-68EB2F1E4D0A}"/>
+      <thm15:themeFamily xmlns:thm15="http://schemas.microsoft.com/office/thememl/2012/main" name="Office Theme" id="{62F939B6-93AF-4DB8-9C6B-D6C7DFDC589F}" vid="{4A3C46E8-61CC-4603-A589-7422A47A8E4A}"/>
     </a:ext>
   </a:extLst>
 </a:theme>
